--- a/Docs/RandomForestExample.pptx
+++ b/Docs/RandomForestExample.pptx
@@ -214,7 +214,7 @@
           <a:p>
             <a:fld id="{F8CDE93F-60F5-4C8A-BC35-4B128D8FDCB6}" type="datetimeFigureOut">
               <a:rPr lang="en-NL" smtClean="0"/>
-              <a:t>08/06/2023</a:t>
+              <a:t>14/06/2023</a:t>
             </a:fld>
             <a:endParaRPr lang="en-NL"/>
           </a:p>
@@ -799,7 +799,7 @@
           <a:p>
             <a:fld id="{2A8B15B6-63C1-4219-B6F0-2083F724C453}" type="datetimeFigureOut">
               <a:rPr lang="en-NL" smtClean="0"/>
-              <a:t>08/06/2023</a:t>
+              <a:t>14/06/2023</a:t>
             </a:fld>
             <a:endParaRPr lang="en-NL"/>
           </a:p>
@@ -999,7 +999,7 @@
           <a:p>
             <a:fld id="{2A8B15B6-63C1-4219-B6F0-2083F724C453}" type="datetimeFigureOut">
               <a:rPr lang="en-NL" smtClean="0"/>
-              <a:t>08/06/2023</a:t>
+              <a:t>14/06/2023</a:t>
             </a:fld>
             <a:endParaRPr lang="en-NL"/>
           </a:p>
@@ -1209,7 +1209,7 @@
           <a:p>
             <a:fld id="{2A8B15B6-63C1-4219-B6F0-2083F724C453}" type="datetimeFigureOut">
               <a:rPr lang="en-NL" smtClean="0"/>
-              <a:t>08/06/2023</a:t>
+              <a:t>14/06/2023</a:t>
             </a:fld>
             <a:endParaRPr lang="en-NL"/>
           </a:p>
@@ -1409,7 +1409,7 @@
           <a:p>
             <a:fld id="{2A8B15B6-63C1-4219-B6F0-2083F724C453}" type="datetimeFigureOut">
               <a:rPr lang="en-NL" smtClean="0"/>
-              <a:t>08/06/2023</a:t>
+              <a:t>14/06/2023</a:t>
             </a:fld>
             <a:endParaRPr lang="en-NL"/>
           </a:p>
@@ -1685,7 +1685,7 @@
           <a:p>
             <a:fld id="{2A8B15B6-63C1-4219-B6F0-2083F724C453}" type="datetimeFigureOut">
               <a:rPr lang="en-NL" smtClean="0"/>
-              <a:t>08/06/2023</a:t>
+              <a:t>14/06/2023</a:t>
             </a:fld>
             <a:endParaRPr lang="en-NL"/>
           </a:p>
@@ -1953,7 +1953,7 @@
           <a:p>
             <a:fld id="{2A8B15B6-63C1-4219-B6F0-2083F724C453}" type="datetimeFigureOut">
               <a:rPr lang="en-NL" smtClean="0"/>
-              <a:t>08/06/2023</a:t>
+              <a:t>14/06/2023</a:t>
             </a:fld>
             <a:endParaRPr lang="en-NL"/>
           </a:p>
@@ -2368,7 +2368,7 @@
           <a:p>
             <a:fld id="{2A8B15B6-63C1-4219-B6F0-2083F724C453}" type="datetimeFigureOut">
               <a:rPr lang="en-NL" smtClean="0"/>
-              <a:t>08/06/2023</a:t>
+              <a:t>14/06/2023</a:t>
             </a:fld>
             <a:endParaRPr lang="en-NL"/>
           </a:p>
@@ -2510,7 +2510,7 @@
           <a:p>
             <a:fld id="{2A8B15B6-63C1-4219-B6F0-2083F724C453}" type="datetimeFigureOut">
               <a:rPr lang="en-NL" smtClean="0"/>
-              <a:t>08/06/2023</a:t>
+              <a:t>14/06/2023</a:t>
             </a:fld>
             <a:endParaRPr lang="en-NL"/>
           </a:p>
@@ -2623,7 +2623,7 @@
           <a:p>
             <a:fld id="{2A8B15B6-63C1-4219-B6F0-2083F724C453}" type="datetimeFigureOut">
               <a:rPr lang="en-NL" smtClean="0"/>
-              <a:t>08/06/2023</a:t>
+              <a:t>14/06/2023</a:t>
             </a:fld>
             <a:endParaRPr lang="en-NL"/>
           </a:p>
@@ -2936,7 +2936,7 @@
           <a:p>
             <a:fld id="{2A8B15B6-63C1-4219-B6F0-2083F724C453}" type="datetimeFigureOut">
               <a:rPr lang="en-NL" smtClean="0"/>
-              <a:t>08/06/2023</a:t>
+              <a:t>14/06/2023</a:t>
             </a:fld>
             <a:endParaRPr lang="en-NL"/>
           </a:p>
@@ -3225,7 +3225,7 @@
           <a:p>
             <a:fld id="{2A8B15B6-63C1-4219-B6F0-2083F724C453}" type="datetimeFigureOut">
               <a:rPr lang="en-NL" smtClean="0"/>
-              <a:t>08/06/2023</a:t>
+              <a:t>14/06/2023</a:t>
             </a:fld>
             <a:endParaRPr lang="en-NL"/>
           </a:p>
@@ -3468,7 +3468,7 @@
           <a:p>
             <a:fld id="{2A8B15B6-63C1-4219-B6F0-2083F724C453}" type="datetimeFigureOut">
               <a:rPr lang="en-NL" smtClean="0"/>
-              <a:t>08/06/2023</a:t>
+              <a:t>14/06/2023</a:t>
             </a:fld>
             <a:endParaRPr lang="en-NL"/>
           </a:p>
@@ -3940,8 +3940,8 @@
         </p:nvSpPr>
         <p:spPr>
           <a:xfrm>
-            <a:off x="480535" y="4940472"/>
-            <a:ext cx="11558164" cy="369332"/>
+            <a:off x="180790" y="4734661"/>
+            <a:ext cx="11642867" cy="369332"/>
           </a:xfrm>
           <a:prstGeom prst="rect">
             <a:avLst/>
@@ -3956,7 +3956,7 @@
           <a:p>
             <a:r>
               <a:rPr lang="en-US" dirty="0"/>
-              <a:t>Random forest basics – Feature Selection with </a:t>
+              <a:t>Random forest overview – Feature selection with </a:t>
             </a:r>
             <a:r>
               <a:rPr lang="en-US" i="1" dirty="0"/>
@@ -3972,7 +3972,7 @@
             </a:r>
             <a:r>
               <a:rPr lang="en-US" dirty="0"/>
-              <a:t> – Examples – Data/code availability</a:t>
+              <a:t> – Examples – Data/code available!</a:t>
             </a:r>
             <a:endParaRPr lang="en-NL" dirty="0"/>
           </a:p>
@@ -4129,6 +4129,45 @@
           </a:p>
         </p:txBody>
       </p:sp>
+      <p:sp>
+        <p:nvSpPr>
+          <p:cNvPr id="11" name="TextBox 10">
+            <a:extLst>
+              <a:ext uri="{FF2B5EF4-FFF2-40B4-BE49-F238E27FC236}">
+                <a16:creationId xmlns:a16="http://schemas.microsoft.com/office/drawing/2014/main" id="{F01806A8-78F6-824A-6CAD-9724346E977A}"/>
+              </a:ext>
+            </a:extLst>
+          </p:cNvPr>
+          <p:cNvSpPr txBox="1"/>
+          <p:nvPr/>
+        </p:nvSpPr>
+        <p:spPr>
+          <a:xfrm>
+            <a:off x="3693515" y="2796248"/>
+            <a:ext cx="8345184" cy="276999"/>
+          </a:xfrm>
+          <a:prstGeom prst="rect">
+            <a:avLst/>
+          </a:prstGeom>
+          <a:noFill/>
+        </p:spPr>
+        <p:txBody>
+          <a:bodyPr wrap="square">
+            <a:spAutoFit/>
+          </a:bodyPr>
+          <a:lstStyle/>
+          <a:p>
+            <a:r>
+              <a:rPr lang="en-US" sz="1200" dirty="0"/>
+              <a:t>Available on </a:t>
+            </a:r>
+            <a:r>
+              <a:rPr lang="en-NL" sz="1200" dirty="0"/>
+              <a:t>https://github.com/PedroBeschoren/RandomForestExample</a:t>
+            </a:r>
+          </a:p>
+        </p:txBody>
+      </p:sp>
     </p:spTree>
     <p:extLst>
       <p:ext uri="{BB962C8B-B14F-4D97-AF65-F5344CB8AC3E}">
@@ -4253,7 +4292,7 @@
         <p:spPr>
           <a:xfrm>
             <a:off x="-8103" y="599465"/>
-            <a:ext cx="10244303" cy="3970318"/>
+            <a:ext cx="10244303" cy="3693319"/>
           </a:xfrm>
           <a:prstGeom prst="rect">
             <a:avLst/>
@@ -4358,17 +4397,6 @@
               <a:buChar char="•"/>
             </a:pPr>
             <a:endParaRPr lang="en-US" dirty="0"/>
-          </a:p>
-          <a:p>
-            <a:pPr marL="285750" indent="-285750">
-              <a:buFont typeface="Arial" panose="020B0604020202020204" pitchFamily="34" charset="0"/>
-              <a:buChar char="•"/>
-            </a:pPr>
-            <a:r>
-              <a:rPr lang="en-US" dirty="0"/>
-              <a:t>Test the model with the test set, it is processed immediately</a:t>
-            </a:r>
-            <a:endParaRPr lang="en-NL" dirty="0"/>
           </a:p>
         </p:txBody>
       </p:sp>
@@ -4432,6 +4460,430 @@
           </a:prstGeom>
         </p:spPr>
       </p:pic>
+      <p:sp>
+        <p:nvSpPr>
+          <p:cNvPr id="4" name="Arrow: Down 3">
+            <a:extLst>
+              <a:ext uri="{FF2B5EF4-FFF2-40B4-BE49-F238E27FC236}">
+                <a16:creationId xmlns:a16="http://schemas.microsoft.com/office/drawing/2014/main" id="{6AA6D94C-A65F-3DDF-3801-4E86DE61520D}"/>
+              </a:ext>
+            </a:extLst>
+          </p:cNvPr>
+          <p:cNvSpPr/>
+          <p:nvPr/>
+        </p:nvSpPr>
+        <p:spPr>
+          <a:xfrm rot="7916208">
+            <a:off x="9366928" y="2592516"/>
+            <a:ext cx="299273" cy="1691498"/>
+          </a:xfrm>
+          <a:prstGeom prst="downArrow">
+            <a:avLst/>
+          </a:prstGeom>
+          <a:solidFill>
+            <a:srgbClr val="FF0000"/>
+          </a:solidFill>
+          <a:ln>
+            <a:solidFill>
+              <a:srgbClr val="C00000"/>
+            </a:solidFill>
+          </a:ln>
+        </p:spPr>
+        <p:style>
+          <a:lnRef idx="2">
+            <a:schemeClr val="accent1">
+              <a:shade val="50000"/>
+            </a:schemeClr>
+          </a:lnRef>
+          <a:fillRef idx="1">
+            <a:schemeClr val="accent1"/>
+          </a:fillRef>
+          <a:effectRef idx="0">
+            <a:schemeClr val="accent1"/>
+          </a:effectRef>
+          <a:fontRef idx="minor">
+            <a:schemeClr val="lt1"/>
+          </a:fontRef>
+        </p:style>
+        <p:txBody>
+          <a:bodyPr rtlCol="0" anchor="ctr"/>
+          <a:lstStyle/>
+          <a:p>
+            <a:pPr algn="ctr"/>
+            <a:endParaRPr lang="en-NL"/>
+          </a:p>
+        </p:txBody>
+      </p:sp>
+      <p:pic>
+        <p:nvPicPr>
+          <p:cNvPr id="2" name="Picture 1">
+            <a:extLst>
+              <a:ext uri="{FF2B5EF4-FFF2-40B4-BE49-F238E27FC236}">
+                <a16:creationId xmlns:a16="http://schemas.microsoft.com/office/drawing/2014/main" id="{741D0A45-E573-A085-0B61-FE0C0AB1058A}"/>
+              </a:ext>
+            </a:extLst>
+          </p:cNvPr>
+          <p:cNvPicPr>
+            <a:picLocks noChangeAspect="1"/>
+          </p:cNvPicPr>
+          <p:nvPr/>
+        </p:nvPicPr>
+        <p:blipFill>
+          <a:blip r:embed="rId4"/>
+          <a:stretch>
+            <a:fillRect/>
+          </a:stretch>
+        </p:blipFill>
+        <p:spPr>
+          <a:xfrm>
+            <a:off x="6666729" y="3939674"/>
+            <a:ext cx="5525271" cy="476316"/>
+          </a:xfrm>
+          <a:prstGeom prst="rect">
+            <a:avLst/>
+          </a:prstGeom>
+          <a:ln w="28575">
+            <a:solidFill>
+              <a:srgbClr val="FF0000"/>
+            </a:solidFill>
+          </a:ln>
+        </p:spPr>
+      </p:pic>
+      <p:sp>
+        <p:nvSpPr>
+          <p:cNvPr id="8" name="TextBox 7">
+            <a:extLst>
+              <a:ext uri="{FF2B5EF4-FFF2-40B4-BE49-F238E27FC236}">
+                <a16:creationId xmlns:a16="http://schemas.microsoft.com/office/drawing/2014/main" id="{A2DD8468-AFEC-31CE-CA24-52691790A9B2}"/>
+              </a:ext>
+            </a:extLst>
+          </p:cNvPr>
+          <p:cNvSpPr txBox="1"/>
+          <p:nvPr/>
+        </p:nvSpPr>
+        <p:spPr>
+          <a:xfrm>
+            <a:off x="0" y="4169721"/>
+            <a:ext cx="6178550" cy="369332"/>
+          </a:xfrm>
+          <a:prstGeom prst="rect">
+            <a:avLst/>
+          </a:prstGeom>
+          <a:noFill/>
+        </p:spPr>
+        <p:txBody>
+          <a:bodyPr wrap="square">
+            <a:spAutoFit/>
+          </a:bodyPr>
+          <a:lstStyle/>
+          <a:p>
+            <a:pPr marL="285750" indent="-285750">
+              <a:buFont typeface="Arial" panose="020B0604020202020204" pitchFamily="34" charset="0"/>
+              <a:buChar char="•"/>
+            </a:pPr>
+            <a:r>
+              <a:rPr lang="en-US" dirty="0"/>
+              <a:t>Test the model with the test set. it is processed quickly</a:t>
+            </a:r>
+            <a:endParaRPr lang="en-NL" dirty="0"/>
+          </a:p>
+        </p:txBody>
+      </p:sp>
+      <p:cxnSp>
+        <p:nvCxnSpPr>
+          <p:cNvPr id="10" name="Straight Connector 9">
+            <a:extLst>
+              <a:ext uri="{FF2B5EF4-FFF2-40B4-BE49-F238E27FC236}">
+                <a16:creationId xmlns:a16="http://schemas.microsoft.com/office/drawing/2014/main" id="{8E03BAB9-D094-C265-72DE-625A7392BBCD}"/>
+              </a:ext>
+            </a:extLst>
+          </p:cNvPr>
+          <p:cNvCxnSpPr>
+            <a:cxnSpLocks/>
+          </p:cNvCxnSpPr>
+          <p:nvPr/>
+        </p:nvCxnSpPr>
+        <p:spPr>
+          <a:xfrm flipH="1">
+            <a:off x="4927600" y="3073400"/>
+            <a:ext cx="1168400" cy="0"/>
+          </a:xfrm>
+          <a:prstGeom prst="line">
+            <a:avLst/>
+          </a:prstGeom>
+          <a:ln w="22225">
+            <a:solidFill>
+              <a:srgbClr val="FF0000"/>
+            </a:solidFill>
+          </a:ln>
+        </p:spPr>
+        <p:style>
+          <a:lnRef idx="1">
+            <a:schemeClr val="accent1"/>
+          </a:lnRef>
+          <a:fillRef idx="0">
+            <a:schemeClr val="accent1"/>
+          </a:fillRef>
+          <a:effectRef idx="0">
+            <a:schemeClr val="accent1"/>
+          </a:effectRef>
+          <a:fontRef idx="minor">
+            <a:schemeClr val="tx1"/>
+          </a:fontRef>
+        </p:style>
+      </p:cxnSp>
+      <p:cxnSp>
+        <p:nvCxnSpPr>
+          <p:cNvPr id="13" name="Straight Connector 12">
+            <a:extLst>
+              <a:ext uri="{FF2B5EF4-FFF2-40B4-BE49-F238E27FC236}">
+                <a16:creationId xmlns:a16="http://schemas.microsoft.com/office/drawing/2014/main" id="{C81A34BF-1AF3-6B49-47A2-CCD76DE4E0DE}"/>
+              </a:ext>
+            </a:extLst>
+          </p:cNvPr>
+          <p:cNvCxnSpPr>
+            <a:cxnSpLocks/>
+          </p:cNvCxnSpPr>
+          <p:nvPr/>
+        </p:nvCxnSpPr>
+        <p:spPr>
+          <a:xfrm flipH="1">
+            <a:off x="4925806" y="5537200"/>
+            <a:ext cx="1168400" cy="0"/>
+          </a:xfrm>
+          <a:prstGeom prst="line">
+            <a:avLst/>
+          </a:prstGeom>
+          <a:ln w="22225">
+            <a:solidFill>
+              <a:srgbClr val="FF0000"/>
+            </a:solidFill>
+          </a:ln>
+        </p:spPr>
+        <p:style>
+          <a:lnRef idx="1">
+            <a:schemeClr val="accent1"/>
+          </a:lnRef>
+          <a:fillRef idx="0">
+            <a:schemeClr val="accent1"/>
+          </a:fillRef>
+          <a:effectRef idx="0">
+            <a:schemeClr val="accent1"/>
+          </a:effectRef>
+          <a:fontRef idx="minor">
+            <a:schemeClr val="tx1"/>
+          </a:fontRef>
+        </p:style>
+      </p:cxnSp>
+      <p:cxnSp>
+        <p:nvCxnSpPr>
+          <p:cNvPr id="36" name="Straight Connector 35">
+            <a:extLst>
+              <a:ext uri="{FF2B5EF4-FFF2-40B4-BE49-F238E27FC236}">
+                <a16:creationId xmlns:a16="http://schemas.microsoft.com/office/drawing/2014/main" id="{3EE25E58-305C-7D55-ABBA-38E76217757E}"/>
+              </a:ext>
+            </a:extLst>
+          </p:cNvPr>
+          <p:cNvCxnSpPr>
+            <a:cxnSpLocks/>
+          </p:cNvCxnSpPr>
+          <p:nvPr/>
+        </p:nvCxnSpPr>
+        <p:spPr>
+          <a:xfrm>
+            <a:off x="1244600" y="2895600"/>
+            <a:ext cx="0" cy="1254842"/>
+          </a:xfrm>
+          <a:prstGeom prst="line">
+            <a:avLst/>
+          </a:prstGeom>
+          <a:ln w="25400"/>
+        </p:spPr>
+        <p:style>
+          <a:lnRef idx="1">
+            <a:schemeClr val="accent2"/>
+          </a:lnRef>
+          <a:fillRef idx="0">
+            <a:schemeClr val="accent2"/>
+          </a:fillRef>
+          <a:effectRef idx="0">
+            <a:schemeClr val="accent2"/>
+          </a:effectRef>
+          <a:fontRef idx="minor">
+            <a:schemeClr val="tx1"/>
+          </a:fontRef>
+        </p:style>
+      </p:cxnSp>
+      <p:cxnSp>
+        <p:nvCxnSpPr>
+          <p:cNvPr id="38" name="Straight Connector 37">
+            <a:extLst>
+              <a:ext uri="{FF2B5EF4-FFF2-40B4-BE49-F238E27FC236}">
+                <a16:creationId xmlns:a16="http://schemas.microsoft.com/office/drawing/2014/main" id="{9A90BF67-94F1-F5FF-B208-0AE120714164}"/>
+              </a:ext>
+            </a:extLst>
+          </p:cNvPr>
+          <p:cNvCxnSpPr>
+            <a:cxnSpLocks/>
+          </p:cNvCxnSpPr>
+          <p:nvPr/>
+        </p:nvCxnSpPr>
+        <p:spPr>
+          <a:xfrm flipH="1">
+            <a:off x="1244600" y="4175142"/>
+            <a:ext cx="4570206" cy="0"/>
+          </a:xfrm>
+          <a:prstGeom prst="line">
+            <a:avLst/>
+          </a:prstGeom>
+          <a:ln w="25400"/>
+        </p:spPr>
+        <p:style>
+          <a:lnRef idx="1">
+            <a:schemeClr val="accent2"/>
+          </a:lnRef>
+          <a:fillRef idx="0">
+            <a:schemeClr val="accent2"/>
+          </a:fillRef>
+          <a:effectRef idx="0">
+            <a:schemeClr val="accent2"/>
+          </a:effectRef>
+          <a:fontRef idx="minor">
+            <a:schemeClr val="tx1"/>
+          </a:fontRef>
+        </p:style>
+      </p:cxnSp>
+      <p:cxnSp>
+        <p:nvCxnSpPr>
+          <p:cNvPr id="41" name="Straight Connector 40">
+            <a:extLst>
+              <a:ext uri="{FF2B5EF4-FFF2-40B4-BE49-F238E27FC236}">
+                <a16:creationId xmlns:a16="http://schemas.microsoft.com/office/drawing/2014/main" id="{A90F3B97-63BB-2860-24C4-9ED67D16413B}"/>
+              </a:ext>
+            </a:extLst>
+          </p:cNvPr>
+          <p:cNvCxnSpPr>
+            <a:cxnSpLocks/>
+          </p:cNvCxnSpPr>
+          <p:nvPr/>
+        </p:nvCxnSpPr>
+        <p:spPr>
+          <a:xfrm>
+            <a:off x="5814806" y="4159139"/>
+            <a:ext cx="0" cy="860310"/>
+          </a:xfrm>
+          <a:prstGeom prst="line">
+            <a:avLst/>
+          </a:prstGeom>
+          <a:ln w="25400"/>
+        </p:spPr>
+        <p:style>
+          <a:lnRef idx="1">
+            <a:schemeClr val="accent2"/>
+          </a:lnRef>
+          <a:fillRef idx="0">
+            <a:schemeClr val="accent2"/>
+          </a:fillRef>
+          <a:effectRef idx="0">
+            <a:schemeClr val="accent2"/>
+          </a:effectRef>
+          <a:fontRef idx="minor">
+            <a:schemeClr val="tx1"/>
+          </a:fontRef>
+        </p:style>
+      </p:cxnSp>
+      <p:sp>
+        <p:nvSpPr>
+          <p:cNvPr id="48" name="Rectangle 47">
+            <a:extLst>
+              <a:ext uri="{FF2B5EF4-FFF2-40B4-BE49-F238E27FC236}">
+                <a16:creationId xmlns:a16="http://schemas.microsoft.com/office/drawing/2014/main" id="{54E4A221-A4B0-4F0C-73DC-62BABB2DF262}"/>
+              </a:ext>
+            </a:extLst>
+          </p:cNvPr>
+          <p:cNvSpPr/>
+          <p:nvPr/>
+        </p:nvSpPr>
+        <p:spPr>
+          <a:xfrm>
+            <a:off x="419544" y="2650067"/>
+            <a:ext cx="1815656" cy="245533"/>
+          </a:xfrm>
+          <a:prstGeom prst="rect">
+            <a:avLst/>
+          </a:prstGeom>
+          <a:noFill/>
+          <a:ln w="25400"/>
+        </p:spPr>
+        <p:style>
+          <a:lnRef idx="2">
+            <a:schemeClr val="accent2"/>
+          </a:lnRef>
+          <a:fillRef idx="1">
+            <a:schemeClr val="lt1"/>
+          </a:fillRef>
+          <a:effectRef idx="0">
+            <a:schemeClr val="accent2"/>
+          </a:effectRef>
+          <a:fontRef idx="minor">
+            <a:schemeClr val="dk1"/>
+          </a:fontRef>
+        </p:style>
+        <p:txBody>
+          <a:bodyPr rtlCol="0" anchor="ctr"/>
+          <a:lstStyle/>
+          <a:p>
+            <a:pPr algn="ctr"/>
+            <a:endParaRPr lang="en-NL"/>
+          </a:p>
+        </p:txBody>
+      </p:sp>
+      <p:sp>
+        <p:nvSpPr>
+          <p:cNvPr id="49" name="Rectangle 48">
+            <a:extLst>
+              <a:ext uri="{FF2B5EF4-FFF2-40B4-BE49-F238E27FC236}">
+                <a16:creationId xmlns:a16="http://schemas.microsoft.com/office/drawing/2014/main" id="{30398331-2944-3CE3-D264-EC3E6D62C5D4}"/>
+              </a:ext>
+            </a:extLst>
+          </p:cNvPr>
+          <p:cNvSpPr/>
+          <p:nvPr/>
+        </p:nvSpPr>
+        <p:spPr>
+          <a:xfrm>
+            <a:off x="4851073" y="5056804"/>
+            <a:ext cx="1815656" cy="245533"/>
+          </a:xfrm>
+          <a:prstGeom prst="rect">
+            <a:avLst/>
+          </a:prstGeom>
+          <a:noFill/>
+          <a:ln w="25400"/>
+        </p:spPr>
+        <p:style>
+          <a:lnRef idx="2">
+            <a:schemeClr val="accent2"/>
+          </a:lnRef>
+          <a:fillRef idx="1">
+            <a:schemeClr val="lt1"/>
+          </a:fillRef>
+          <a:effectRef idx="0">
+            <a:schemeClr val="accent2"/>
+          </a:effectRef>
+          <a:fontRef idx="minor">
+            <a:schemeClr val="dk1"/>
+          </a:fontRef>
+        </p:style>
+        <p:txBody>
+          <a:bodyPr rtlCol="0" anchor="ctr"/>
+          <a:lstStyle/>
+          <a:p>
+            <a:pPr algn="ctr"/>
+            <a:endParaRPr lang="en-NL"/>
+          </a:p>
+        </p:txBody>
+      </p:sp>
     </p:spTree>
     <p:extLst>
       <p:ext uri="{BB962C8B-B14F-4D97-AF65-F5344CB8AC3E}">
@@ -4442,6 +4894,481 @@
   <p:clrMapOvr>
     <a:masterClrMapping/>
   </p:clrMapOvr>
+  <p:timing>
+    <p:tnLst>
+      <p:par>
+        <p:cTn id="1" dur="indefinite" restart="never" nodeType="tmRoot">
+          <p:childTnLst>
+            <p:seq concurrent="1" nextAc="seek">
+              <p:cTn id="2" dur="indefinite" nodeType="mainSeq">
+                <p:childTnLst>
+                  <p:par>
+                    <p:cTn id="3" fill="hold">
+                      <p:stCondLst>
+                        <p:cond delay="indefinite"/>
+                      </p:stCondLst>
+                      <p:childTnLst>
+                        <p:par>
+                          <p:cTn id="4" fill="hold">
+                            <p:stCondLst>
+                              <p:cond delay="0"/>
+                            </p:stCondLst>
+                            <p:childTnLst>
+                              <p:par>
+                                <p:cTn id="5" presetID="10" presetClass="entr" presetSubtype="0" fill="hold" grpId="0" nodeType="clickEffect">
+                                  <p:stCondLst>
+                                    <p:cond delay="0"/>
+                                  </p:stCondLst>
+                                  <p:childTnLst>
+                                    <p:set>
+                                      <p:cBhvr>
+                                        <p:cTn id="6" dur="1" fill="hold">
+                                          <p:stCondLst>
+                                            <p:cond delay="0"/>
+                                          </p:stCondLst>
+                                        </p:cTn>
+                                        <p:tgtEl>
+                                          <p:spTgt spid="4"/>
+                                        </p:tgtEl>
+                                        <p:attrNameLst>
+                                          <p:attrName>style.visibility</p:attrName>
+                                        </p:attrNameLst>
+                                      </p:cBhvr>
+                                      <p:to>
+                                        <p:strVal val="visible"/>
+                                      </p:to>
+                                    </p:set>
+                                    <p:animEffect transition="in" filter="fade">
+                                      <p:cBhvr>
+                                        <p:cTn id="7" dur="500"/>
+                                        <p:tgtEl>
+                                          <p:spTgt spid="4"/>
+                                        </p:tgtEl>
+                                      </p:cBhvr>
+                                    </p:animEffect>
+                                  </p:childTnLst>
+                                </p:cTn>
+                              </p:par>
+                              <p:par>
+                                <p:cTn id="8" presetID="10" presetClass="entr" presetSubtype="0" fill="hold" nodeType="withEffect">
+                                  <p:stCondLst>
+                                    <p:cond delay="0"/>
+                                  </p:stCondLst>
+                                  <p:childTnLst>
+                                    <p:set>
+                                      <p:cBhvr>
+                                        <p:cTn id="9" dur="1" fill="hold">
+                                          <p:stCondLst>
+                                            <p:cond delay="0"/>
+                                          </p:stCondLst>
+                                        </p:cTn>
+                                        <p:tgtEl>
+                                          <p:spTgt spid="2"/>
+                                        </p:tgtEl>
+                                        <p:attrNameLst>
+                                          <p:attrName>style.visibility</p:attrName>
+                                        </p:attrNameLst>
+                                      </p:cBhvr>
+                                      <p:to>
+                                        <p:strVal val="visible"/>
+                                      </p:to>
+                                    </p:set>
+                                    <p:animEffect transition="in" filter="fade">
+                                      <p:cBhvr>
+                                        <p:cTn id="10" dur="500"/>
+                                        <p:tgtEl>
+                                          <p:spTgt spid="2"/>
+                                        </p:tgtEl>
+                                      </p:cBhvr>
+                                    </p:animEffect>
+                                  </p:childTnLst>
+                                </p:cTn>
+                              </p:par>
+                              <p:par>
+                                <p:cTn id="11" presetID="10" presetClass="entr" presetSubtype="0" fill="hold" nodeType="withEffect">
+                                  <p:stCondLst>
+                                    <p:cond delay="0"/>
+                                  </p:stCondLst>
+                                  <p:childTnLst>
+                                    <p:set>
+                                      <p:cBhvr>
+                                        <p:cTn id="12" dur="1" fill="hold">
+                                          <p:stCondLst>
+                                            <p:cond delay="0"/>
+                                          </p:stCondLst>
+                                        </p:cTn>
+                                        <p:tgtEl>
+                                          <p:spTgt spid="10"/>
+                                        </p:tgtEl>
+                                        <p:attrNameLst>
+                                          <p:attrName>style.visibility</p:attrName>
+                                        </p:attrNameLst>
+                                      </p:cBhvr>
+                                      <p:to>
+                                        <p:strVal val="visible"/>
+                                      </p:to>
+                                    </p:set>
+                                    <p:animEffect transition="in" filter="fade">
+                                      <p:cBhvr>
+                                        <p:cTn id="13" dur="500"/>
+                                        <p:tgtEl>
+                                          <p:spTgt spid="10"/>
+                                        </p:tgtEl>
+                                      </p:cBhvr>
+                                    </p:animEffect>
+                                  </p:childTnLst>
+                                </p:cTn>
+                              </p:par>
+                            </p:childTnLst>
+                          </p:cTn>
+                        </p:par>
+                      </p:childTnLst>
+                    </p:cTn>
+                  </p:par>
+                  <p:par>
+                    <p:cTn id="14" fill="hold">
+                      <p:stCondLst>
+                        <p:cond delay="indefinite"/>
+                      </p:stCondLst>
+                      <p:childTnLst>
+                        <p:par>
+                          <p:cTn id="15" fill="hold">
+                            <p:stCondLst>
+                              <p:cond delay="0"/>
+                            </p:stCondLst>
+                            <p:childTnLst>
+                              <p:par>
+                                <p:cTn id="16" presetID="10" presetClass="entr" presetSubtype="0" fill="hold" grpId="0" nodeType="clickEffect">
+                                  <p:stCondLst>
+                                    <p:cond delay="0"/>
+                                  </p:stCondLst>
+                                  <p:childTnLst>
+                                    <p:set>
+                                      <p:cBhvr>
+                                        <p:cTn id="17" dur="1" fill="hold">
+                                          <p:stCondLst>
+                                            <p:cond delay="0"/>
+                                          </p:stCondLst>
+                                        </p:cTn>
+                                        <p:tgtEl>
+                                          <p:spTgt spid="8"/>
+                                        </p:tgtEl>
+                                        <p:attrNameLst>
+                                          <p:attrName>style.visibility</p:attrName>
+                                        </p:attrNameLst>
+                                      </p:cBhvr>
+                                      <p:to>
+                                        <p:strVal val="visible"/>
+                                      </p:to>
+                                    </p:set>
+                                    <p:animEffect transition="in" filter="fade">
+                                      <p:cBhvr>
+                                        <p:cTn id="18" dur="500"/>
+                                        <p:tgtEl>
+                                          <p:spTgt spid="8"/>
+                                        </p:tgtEl>
+                                      </p:cBhvr>
+                                    </p:animEffect>
+                                  </p:childTnLst>
+                                </p:cTn>
+                              </p:par>
+                              <p:par>
+                                <p:cTn id="19" presetID="10" presetClass="entr" presetSubtype="0" fill="hold" nodeType="withEffect">
+                                  <p:stCondLst>
+                                    <p:cond delay="0"/>
+                                  </p:stCondLst>
+                                  <p:childTnLst>
+                                    <p:set>
+                                      <p:cBhvr>
+                                        <p:cTn id="20" dur="1" fill="hold">
+                                          <p:stCondLst>
+                                            <p:cond delay="0"/>
+                                          </p:stCondLst>
+                                        </p:cTn>
+                                        <p:tgtEl>
+                                          <p:spTgt spid="19"/>
+                                        </p:tgtEl>
+                                        <p:attrNameLst>
+                                          <p:attrName>style.visibility</p:attrName>
+                                        </p:attrNameLst>
+                                      </p:cBhvr>
+                                      <p:to>
+                                        <p:strVal val="visible"/>
+                                      </p:to>
+                                    </p:set>
+                                    <p:animEffect transition="in" filter="fade">
+                                      <p:cBhvr>
+                                        <p:cTn id="21" dur="500"/>
+                                        <p:tgtEl>
+                                          <p:spTgt spid="19"/>
+                                        </p:tgtEl>
+                                      </p:cBhvr>
+                                    </p:animEffect>
+                                  </p:childTnLst>
+                                </p:cTn>
+                              </p:par>
+                              <p:par>
+                                <p:cTn id="22" presetID="10" presetClass="entr" presetSubtype="0" fill="hold" nodeType="withEffect">
+                                  <p:stCondLst>
+                                    <p:cond delay="0"/>
+                                  </p:stCondLst>
+                                  <p:childTnLst>
+                                    <p:set>
+                                      <p:cBhvr>
+                                        <p:cTn id="23" dur="1" fill="hold">
+                                          <p:stCondLst>
+                                            <p:cond delay="0"/>
+                                          </p:stCondLst>
+                                        </p:cTn>
+                                        <p:tgtEl>
+                                          <p:spTgt spid="13"/>
+                                        </p:tgtEl>
+                                        <p:attrNameLst>
+                                          <p:attrName>style.visibility</p:attrName>
+                                        </p:attrNameLst>
+                                      </p:cBhvr>
+                                      <p:to>
+                                        <p:strVal val="visible"/>
+                                      </p:to>
+                                    </p:set>
+                                    <p:animEffect transition="in" filter="fade">
+                                      <p:cBhvr>
+                                        <p:cTn id="24" dur="500"/>
+                                        <p:tgtEl>
+                                          <p:spTgt spid="13"/>
+                                        </p:tgtEl>
+                                      </p:cBhvr>
+                                    </p:animEffect>
+                                  </p:childTnLst>
+                                </p:cTn>
+                              </p:par>
+                            </p:childTnLst>
+                          </p:cTn>
+                        </p:par>
+                      </p:childTnLst>
+                    </p:cTn>
+                  </p:par>
+                  <p:par>
+                    <p:cTn id="25" fill="hold">
+                      <p:stCondLst>
+                        <p:cond delay="indefinite"/>
+                      </p:stCondLst>
+                      <p:childTnLst>
+                        <p:par>
+                          <p:cTn id="26" fill="hold">
+                            <p:stCondLst>
+                              <p:cond delay="0"/>
+                            </p:stCondLst>
+                            <p:childTnLst>
+                              <p:par>
+                                <p:cTn id="27" presetID="10" presetClass="entr" presetSubtype="0" fill="hold" grpId="0" nodeType="clickEffect">
+                                  <p:stCondLst>
+                                    <p:cond delay="0"/>
+                                  </p:stCondLst>
+                                  <p:childTnLst>
+                                    <p:set>
+                                      <p:cBhvr>
+                                        <p:cTn id="28" dur="1" fill="hold">
+                                          <p:stCondLst>
+                                            <p:cond delay="0"/>
+                                          </p:stCondLst>
+                                        </p:cTn>
+                                        <p:tgtEl>
+                                          <p:spTgt spid="49"/>
+                                        </p:tgtEl>
+                                        <p:attrNameLst>
+                                          <p:attrName>style.visibility</p:attrName>
+                                        </p:attrNameLst>
+                                      </p:cBhvr>
+                                      <p:to>
+                                        <p:strVal val="visible"/>
+                                      </p:to>
+                                    </p:set>
+                                    <p:animEffect transition="in" filter="fade">
+                                      <p:cBhvr>
+                                        <p:cTn id="29" dur="500"/>
+                                        <p:tgtEl>
+                                          <p:spTgt spid="49"/>
+                                        </p:tgtEl>
+                                      </p:cBhvr>
+                                    </p:animEffect>
+                                  </p:childTnLst>
+                                </p:cTn>
+                              </p:par>
+                              <p:par>
+                                <p:cTn id="30" presetID="10" presetClass="entr" presetSubtype="0" fill="hold" nodeType="withEffect">
+                                  <p:stCondLst>
+                                    <p:cond delay="0"/>
+                                  </p:stCondLst>
+                                  <p:childTnLst>
+                                    <p:set>
+                                      <p:cBhvr>
+                                        <p:cTn id="31" dur="1" fill="hold">
+                                          <p:stCondLst>
+                                            <p:cond delay="0"/>
+                                          </p:stCondLst>
+                                        </p:cTn>
+                                        <p:tgtEl>
+                                          <p:spTgt spid="41"/>
+                                        </p:tgtEl>
+                                        <p:attrNameLst>
+                                          <p:attrName>style.visibility</p:attrName>
+                                        </p:attrNameLst>
+                                      </p:cBhvr>
+                                      <p:to>
+                                        <p:strVal val="visible"/>
+                                      </p:to>
+                                    </p:set>
+                                    <p:animEffect transition="in" filter="fade">
+                                      <p:cBhvr>
+                                        <p:cTn id="32" dur="500"/>
+                                        <p:tgtEl>
+                                          <p:spTgt spid="41"/>
+                                        </p:tgtEl>
+                                      </p:cBhvr>
+                                    </p:animEffect>
+                                  </p:childTnLst>
+                                </p:cTn>
+                              </p:par>
+                              <p:par>
+                                <p:cTn id="33" presetID="10" presetClass="entr" presetSubtype="0" fill="hold" nodeType="withEffect">
+                                  <p:stCondLst>
+                                    <p:cond delay="0"/>
+                                  </p:stCondLst>
+                                  <p:childTnLst>
+                                    <p:set>
+                                      <p:cBhvr>
+                                        <p:cTn id="34" dur="1" fill="hold">
+                                          <p:stCondLst>
+                                            <p:cond delay="0"/>
+                                          </p:stCondLst>
+                                        </p:cTn>
+                                        <p:tgtEl>
+                                          <p:spTgt spid="38"/>
+                                        </p:tgtEl>
+                                        <p:attrNameLst>
+                                          <p:attrName>style.visibility</p:attrName>
+                                        </p:attrNameLst>
+                                      </p:cBhvr>
+                                      <p:to>
+                                        <p:strVal val="visible"/>
+                                      </p:to>
+                                    </p:set>
+                                    <p:animEffect transition="in" filter="fade">
+                                      <p:cBhvr>
+                                        <p:cTn id="35" dur="500"/>
+                                        <p:tgtEl>
+                                          <p:spTgt spid="38"/>
+                                        </p:tgtEl>
+                                      </p:cBhvr>
+                                    </p:animEffect>
+                                  </p:childTnLst>
+                                </p:cTn>
+                              </p:par>
+                              <p:par>
+                                <p:cTn id="36" presetID="10" presetClass="entr" presetSubtype="0" fill="hold" nodeType="withEffect">
+                                  <p:stCondLst>
+                                    <p:cond delay="0"/>
+                                  </p:stCondLst>
+                                  <p:childTnLst>
+                                    <p:set>
+                                      <p:cBhvr>
+                                        <p:cTn id="37" dur="1" fill="hold">
+                                          <p:stCondLst>
+                                            <p:cond delay="0"/>
+                                          </p:stCondLst>
+                                        </p:cTn>
+                                        <p:tgtEl>
+                                          <p:spTgt spid="36"/>
+                                        </p:tgtEl>
+                                        <p:attrNameLst>
+                                          <p:attrName>style.visibility</p:attrName>
+                                        </p:attrNameLst>
+                                      </p:cBhvr>
+                                      <p:to>
+                                        <p:strVal val="visible"/>
+                                      </p:to>
+                                    </p:set>
+                                    <p:animEffect transition="in" filter="fade">
+                                      <p:cBhvr>
+                                        <p:cTn id="38" dur="500"/>
+                                        <p:tgtEl>
+                                          <p:spTgt spid="36"/>
+                                        </p:tgtEl>
+                                      </p:cBhvr>
+                                    </p:animEffect>
+                                  </p:childTnLst>
+                                </p:cTn>
+                              </p:par>
+                              <p:par>
+                                <p:cTn id="39" presetID="10" presetClass="entr" presetSubtype="0" fill="hold" grpId="0" nodeType="withEffect">
+                                  <p:stCondLst>
+                                    <p:cond delay="0"/>
+                                  </p:stCondLst>
+                                  <p:childTnLst>
+                                    <p:set>
+                                      <p:cBhvr>
+                                        <p:cTn id="40" dur="1" fill="hold">
+                                          <p:stCondLst>
+                                            <p:cond delay="0"/>
+                                          </p:stCondLst>
+                                        </p:cTn>
+                                        <p:tgtEl>
+                                          <p:spTgt spid="48"/>
+                                        </p:tgtEl>
+                                        <p:attrNameLst>
+                                          <p:attrName>style.visibility</p:attrName>
+                                        </p:attrNameLst>
+                                      </p:cBhvr>
+                                      <p:to>
+                                        <p:strVal val="visible"/>
+                                      </p:to>
+                                    </p:set>
+                                    <p:animEffect transition="in" filter="fade">
+                                      <p:cBhvr>
+                                        <p:cTn id="41" dur="500"/>
+                                        <p:tgtEl>
+                                          <p:spTgt spid="48"/>
+                                        </p:tgtEl>
+                                      </p:cBhvr>
+                                    </p:animEffect>
+                                  </p:childTnLst>
+                                </p:cTn>
+                              </p:par>
+                            </p:childTnLst>
+                          </p:cTn>
+                        </p:par>
+                      </p:childTnLst>
+                    </p:cTn>
+                  </p:par>
+                </p:childTnLst>
+              </p:cTn>
+              <p:prevCondLst>
+                <p:cond evt="onPrev" delay="0">
+                  <p:tgtEl>
+                    <p:sldTgt/>
+                  </p:tgtEl>
+                </p:cond>
+              </p:prevCondLst>
+              <p:nextCondLst>
+                <p:cond evt="onNext" delay="0">
+                  <p:tgtEl>
+                    <p:sldTgt/>
+                  </p:tgtEl>
+                </p:cond>
+              </p:nextCondLst>
+            </p:seq>
+          </p:childTnLst>
+        </p:cTn>
+      </p:par>
+    </p:tnLst>
+    <p:bldLst>
+      <p:bldP spid="4" grpId="0" animBg="1"/>
+      <p:bldP spid="8" grpId="0"/>
+      <p:bldP spid="48" grpId="0" animBg="1"/>
+      <p:bldP spid="49" grpId="0" animBg="1"/>
+    </p:bldLst>
+  </p:timing>
 </p:sld>
 </file>
 
@@ -8266,7 +9193,7 @@
         <p:spPr>
           <a:xfrm>
             <a:off x="-370" y="656327"/>
-            <a:ext cx="5486769" cy="5755422"/>
+            <a:ext cx="5486769" cy="6001643"/>
           </a:xfrm>
           <a:prstGeom prst="rect">
             <a:avLst/>
@@ -8403,7 +9330,27 @@
                 <a:latin typeface="Arial" panose="020B0604020202020204" pitchFamily="34" charset="0"/>
                 <a:ea typeface="Calibri" panose="020F0502020204030204" pitchFamily="34" charset="0"/>
               </a:rPr>
-              <a:t>Regression to predict plant biomass according bacterial abundances in 4 different datasets, repeated 10 times </a:t>
+              <a:t>Regression to </a:t>
+            </a:r>
+            <a:r>
+              <a:rPr lang="en-US" sz="1600" b="1" dirty="0">
+                <a:solidFill>
+                  <a:srgbClr val="2B2B2B"/>
+                </a:solidFill>
+                <a:latin typeface="Arial" panose="020B0604020202020204" pitchFamily="34" charset="0"/>
+                <a:ea typeface="Calibri" panose="020F0502020204030204" pitchFamily="34" charset="0"/>
+              </a:rPr>
+              <a:t>predict plant biomass according bacterial abundances</a:t>
+            </a:r>
+            <a:r>
+              <a:rPr lang="en-US" sz="1600" dirty="0">
+                <a:solidFill>
+                  <a:srgbClr val="2B2B2B"/>
+                </a:solidFill>
+                <a:latin typeface="Arial" panose="020B0604020202020204" pitchFamily="34" charset="0"/>
+                <a:ea typeface="Calibri" panose="020F0502020204030204" pitchFamily="34" charset="0"/>
+              </a:rPr>
+              <a:t> in 4 different datasets, repeated 10 times </a:t>
             </a:r>
           </a:p>
           <a:p>
@@ -9723,7 +10670,7 @@
         <p:spPr>
           <a:xfrm>
             <a:off x="189187" y="1082758"/>
-            <a:ext cx="5453548" cy="4801314"/>
+            <a:ext cx="5453548" cy="5078313"/>
           </a:xfrm>
           <a:prstGeom prst="rect">
             <a:avLst/>
@@ -9742,7 +10689,7 @@
             </a:pPr>
             <a:r>
               <a:rPr lang="en-US" dirty="0"/>
-              <a:t>Random Forest is a type of machine learning algorithm. It can be useful to select variables that predict an outcome or another variable</a:t>
+              <a:t>Random Forest is a type of machine learning algorithm. It can be useful to find variables that predict another variable</a:t>
             </a:r>
           </a:p>
           <a:p>
@@ -9780,7 +10727,7 @@
             </a:pPr>
             <a:r>
               <a:rPr lang="en-US" dirty="0"/>
-              <a:t>In a decision tree, variables are split at specific intervals. Depending on the value of one or more variables, an outcome is decided based on data labels</a:t>
+              <a:t>In a decision tree, variables are split at specific intervals. Depending on the value of one or more variables, a sample classification is decided</a:t>
             </a:r>
           </a:p>
           <a:p>
@@ -9797,7 +10744,48 @@
             </a:pPr>
             <a:r>
               <a:rPr lang="en-US" dirty="0"/>
-              <a:t>On fictional example: large plants will be OK even with few caterpillars, but small plants need some parasitoid diversity</a:t>
+              <a:t>On a fictional example: a plant with more than 4g of dry weight but two or less caterpillars will be classified as having </a:t>
+            </a:r>
+            <a:r>
+              <a:rPr lang="en-US" b="1" dirty="0">
+                <a:solidFill>
+                  <a:srgbClr val="00B050"/>
+                </a:solidFill>
+              </a:rPr>
+              <a:t>Sufficient Biocontrol. </a:t>
+            </a:r>
+          </a:p>
+          <a:p>
+            <a:pPr marL="285750" indent="-285750">
+              <a:buFont typeface="Arial" panose="020B0604020202020204" pitchFamily="34" charset="0"/>
+              <a:buChar char="•"/>
+            </a:pPr>
+            <a:endParaRPr lang="en-US" b="1" dirty="0">
+              <a:solidFill>
+                <a:srgbClr val="00B050"/>
+              </a:solidFill>
+            </a:endParaRPr>
+          </a:p>
+          <a:p>
+            <a:pPr marL="285750" indent="-285750">
+              <a:buFont typeface="Arial" panose="020B0604020202020204" pitchFamily="34" charset="0"/>
+              <a:buChar char="•"/>
+            </a:pPr>
+            <a:r>
+              <a:rPr lang="en-US" dirty="0"/>
+              <a:t>That is a </a:t>
+            </a:r>
+            <a:r>
+              <a:rPr lang="en-US" b="1" dirty="0"/>
+              <a:t>tree</a:t>
+            </a:r>
+            <a:r>
+              <a:rPr lang="en-US" dirty="0"/>
+              <a:t> making a </a:t>
+            </a:r>
+            <a:r>
+              <a:rPr lang="en-US" b="1" dirty="0"/>
+              <a:t>decision</a:t>
             </a:r>
           </a:p>
           <a:p>
@@ -11078,7 +12066,7 @@
               <a:buChar char="•"/>
             </a:pPr>
             <a:r>
-              <a:rPr lang="en-US" dirty="0"/>
+              <a:rPr lang="en-US" b="1" dirty="0"/>
               <a:t>Many random trees = a random forest!</a:t>
             </a:r>
           </a:p>
@@ -11096,7 +12084,7 @@
             </a:pPr>
             <a:r>
               <a:rPr lang="en-US" dirty="0"/>
-              <a:t>Each tree defines the outcome (pest damage) based on the limited </a:t>
+              <a:t>Each decision tree defines an outcome based on the limited </a:t>
             </a:r>
             <a:r>
               <a:rPr lang="en-US" i="1" dirty="0"/>
@@ -11129,7 +12117,7 @@
             </a:r>
             <a:r>
               <a:rPr lang="en-US" dirty="0"/>
-              <a:t>, each tree has a guess at the outcome.</a:t>
+              <a:t>, the decision tree has a guess at the outcome</a:t>
             </a:r>
           </a:p>
           <a:p>
@@ -14607,14 +15595,14 @@
               <a:t>) would be classified as </a:t>
             </a:r>
             <a:r>
-              <a:rPr lang="en-US" sz="1600" dirty="0">
+              <a:rPr lang="en-US" sz="1600" b="1" dirty="0">
                 <a:solidFill>
                   <a:srgbClr val="00B050"/>
                 </a:solidFill>
               </a:rPr>
               <a:t>Sufficient biocontrol!</a:t>
             </a:r>
-            <a:endParaRPr lang="en-US" sz="1600" dirty="0"/>
+            <a:endParaRPr lang="en-US" sz="1600" b="1" dirty="0"/>
           </a:p>
         </p:txBody>
       </p:sp>
@@ -14632,12 +15620,12 @@
         </p:nvSpPr>
         <p:spPr>
           <a:xfrm rot="5400000">
-            <a:off x="7462731" y="1104901"/>
-            <a:ext cx="996005" cy="4364468"/>
+            <a:off x="7496274" y="1138445"/>
+            <a:ext cx="928919" cy="4364468"/>
           </a:xfrm>
           <a:prstGeom prst="corner">
             <a:avLst>
-              <a:gd name="adj1" fmla="val 42350"/>
+              <a:gd name="adj1" fmla="val 41318"/>
               <a:gd name="adj2" fmla="val 61476"/>
             </a:avLst>
           </a:prstGeom>
@@ -14652,6 +15640,118 @@
               <a:schemeClr val="accent6">
                 <a:lumMod val="75000"/>
               </a:schemeClr>
+            </a:solidFill>
+          </a:ln>
+        </p:spPr>
+        <p:style>
+          <a:lnRef idx="2">
+            <a:schemeClr val="accent1">
+              <a:shade val="50000"/>
+            </a:schemeClr>
+          </a:lnRef>
+          <a:fillRef idx="1">
+            <a:schemeClr val="accent1"/>
+          </a:fillRef>
+          <a:effectRef idx="0">
+            <a:schemeClr val="accent1"/>
+          </a:effectRef>
+          <a:fontRef idx="minor">
+            <a:schemeClr val="lt1"/>
+          </a:fontRef>
+        </p:style>
+        <p:txBody>
+          <a:bodyPr rtlCol="0" anchor="ctr"/>
+          <a:lstStyle/>
+          <a:p>
+            <a:pPr algn="ctr"/>
+            <a:endParaRPr lang="en-NL" dirty="0"/>
+          </a:p>
+        </p:txBody>
+      </p:sp>
+      <p:sp>
+        <p:nvSpPr>
+          <p:cNvPr id="5" name="Rectangle: Rounded Corners 4">
+            <a:extLst>
+              <a:ext uri="{FF2B5EF4-FFF2-40B4-BE49-F238E27FC236}">
+                <a16:creationId xmlns:a16="http://schemas.microsoft.com/office/drawing/2014/main" id="{5CCD1B45-0859-D653-5D0F-C6492EDAFD76}"/>
+              </a:ext>
+            </a:extLst>
+          </p:cNvPr>
+          <p:cNvSpPr/>
+          <p:nvPr/>
+        </p:nvSpPr>
+        <p:spPr>
+          <a:xfrm>
+            <a:off x="5669525" y="4094801"/>
+            <a:ext cx="577912" cy="232731"/>
+          </a:xfrm>
+          <a:prstGeom prst="roundRect">
+            <a:avLst/>
+          </a:prstGeom>
+          <a:solidFill>
+            <a:srgbClr val="FF0000">
+              <a:alpha val="14000"/>
+            </a:srgbClr>
+          </a:solidFill>
+          <a:ln>
+            <a:solidFill>
+              <a:srgbClr val="C00000"/>
+            </a:solidFill>
+          </a:ln>
+        </p:spPr>
+        <p:style>
+          <a:lnRef idx="2">
+            <a:schemeClr val="accent1">
+              <a:shade val="50000"/>
+            </a:schemeClr>
+          </a:lnRef>
+          <a:fillRef idx="1">
+            <a:schemeClr val="accent1"/>
+          </a:fillRef>
+          <a:effectRef idx="0">
+            <a:schemeClr val="accent1"/>
+          </a:effectRef>
+          <a:fontRef idx="minor">
+            <a:schemeClr val="lt1"/>
+          </a:fontRef>
+        </p:style>
+        <p:txBody>
+          <a:bodyPr rtlCol="0" anchor="ctr"/>
+          <a:lstStyle/>
+          <a:p>
+            <a:pPr algn="ctr"/>
+            <a:endParaRPr lang="en-NL"/>
+          </a:p>
+        </p:txBody>
+      </p:sp>
+      <p:sp>
+        <p:nvSpPr>
+          <p:cNvPr id="9" name="Rectangle: Rounded Corners 8">
+            <a:extLst>
+              <a:ext uri="{FF2B5EF4-FFF2-40B4-BE49-F238E27FC236}">
+                <a16:creationId xmlns:a16="http://schemas.microsoft.com/office/drawing/2014/main" id="{11BB629D-C77A-771C-4C7D-ACD737655463}"/>
+              </a:ext>
+            </a:extLst>
+          </p:cNvPr>
+          <p:cNvSpPr/>
+          <p:nvPr/>
+        </p:nvSpPr>
+        <p:spPr>
+          <a:xfrm>
+            <a:off x="5670274" y="5810548"/>
+            <a:ext cx="577912" cy="232731"/>
+          </a:xfrm>
+          <a:prstGeom prst="roundRect">
+            <a:avLst/>
+          </a:prstGeom>
+          <a:solidFill>
+            <a:srgbClr val="FF0000">
+              <a:alpha val="14000"/>
+            </a:srgbClr>
+          </a:solidFill>
+          <a:ln>
+            <a:solidFill>
+              <a:srgbClr val="C00000"/>
             </a:solidFill>
           </a:ln>
         </p:spPr>
@@ -15709,6 +16809,76 @@
                                   </p:childTnLst>
                                 </p:cTn>
                               </p:par>
+                              <p:par>
+                                <p:cTn id="92" presetID="10" presetClass="entr" presetSubtype="0" fill="hold" grpId="0" nodeType="withEffect">
+                                  <p:stCondLst>
+                                    <p:cond delay="0"/>
+                                  </p:stCondLst>
+                                  <p:childTnLst>
+                                    <p:set>
+                                      <p:cBhvr>
+                                        <p:cTn id="93" dur="1" fill="hold">
+                                          <p:stCondLst>
+                                            <p:cond delay="0"/>
+                                          </p:stCondLst>
+                                        </p:cTn>
+                                        <p:tgtEl>
+                                          <p:spTgt spid="5"/>
+                                        </p:tgtEl>
+                                        <p:attrNameLst>
+                                          <p:attrName>style.visibility</p:attrName>
+                                        </p:attrNameLst>
+                                      </p:cBhvr>
+                                      <p:to>
+                                        <p:strVal val="visible"/>
+                                      </p:to>
+                                    </p:set>
+                                    <p:animEffect transition="in" filter="fade">
+                                      <p:cBhvr>
+                                        <p:cTn id="94" dur="500"/>
+                                        <p:tgtEl>
+                                          <p:spTgt spid="5"/>
+                                        </p:tgtEl>
+                                      </p:cBhvr>
+                                    </p:animEffect>
+                                  </p:childTnLst>
+                                </p:cTn>
+                              </p:par>
+                              <p:par>
+                                <p:cTn id="95" presetID="10" presetClass="entr" presetSubtype="0" fill="hold" grpId="0" nodeType="withEffect">
+                                  <p:stCondLst>
+                                    <p:cond delay="0"/>
+                                  </p:stCondLst>
+                                  <p:childTnLst>
+                                    <p:set>
+                                      <p:cBhvr>
+                                        <p:cTn id="96" dur="1" fill="hold">
+                                          <p:stCondLst>
+                                            <p:cond delay="0"/>
+                                          </p:stCondLst>
+                                        </p:cTn>
+                                        <p:tgtEl>
+                                          <p:spTgt spid="9"/>
+                                        </p:tgtEl>
+                                        <p:attrNameLst>
+                                          <p:attrName>style.visibility</p:attrName>
+                                        </p:attrNameLst>
+                                      </p:cBhvr>
+                                      <p:to>
+                                        <p:strVal val="visible"/>
+                                      </p:to>
+                                    </p:set>
+                                    <p:animEffect transition="in" filter="fade">
+                                      <p:cBhvr>
+                                        <p:cTn id="97" dur="500"/>
+                                        <p:tgtEl>
+                                          <p:spTgt spid="9"/>
+                                        </p:tgtEl>
+                                      </p:cBhvr>
+                                    </p:animEffect>
+                                  </p:childTnLst>
+                                </p:cTn>
+                              </p:par>
                             </p:childTnLst>
                           </p:cTn>
                         </p:par>
@@ -15761,6 +16931,8 @@
       <p:bldP spid="11" grpId="0" animBg="1"/>
       <p:bldP spid="13" grpId="0"/>
       <p:bldP spid="14" grpId="0" animBg="1"/>
+      <p:bldP spid="5" grpId="0" animBg="1"/>
+      <p:bldP spid="9" grpId="0" animBg="1"/>
     </p:bldLst>
   </p:timing>
 </p:sld>
@@ -15797,8 +16969,8 @@
         </p:nvSpPr>
         <p:spPr>
           <a:xfrm>
-            <a:off x="6140451" y="3560511"/>
-            <a:ext cx="5845310" cy="2191283"/>
+            <a:off x="5950077" y="3715161"/>
+            <a:ext cx="4722661" cy="1511533"/>
           </a:xfrm>
           <a:prstGeom prst="roundRect">
             <a:avLst/>
@@ -15931,8 +17103,8 @@
         </p:nvSpPr>
         <p:spPr>
           <a:xfrm>
-            <a:off x="-8103" y="523220"/>
-            <a:ext cx="6257753" cy="5078313"/>
+            <a:off x="-8103" y="718426"/>
+            <a:ext cx="5510415" cy="2585323"/>
           </a:xfrm>
           <a:prstGeom prst="rect">
             <a:avLst/>
@@ -15951,7 +17123,7 @@
             </a:pPr>
             <a:r>
               <a:rPr lang="en-US" dirty="0"/>
-              <a:t>Each tree “votes” if pest damage is acceptable or not </a:t>
+              <a:t>When the random forest receives new data, each tree “votes” on the outcome</a:t>
             </a:r>
           </a:p>
           <a:p>
@@ -15979,71 +17151,8 @@
             <a:endParaRPr lang="en-US" dirty="0"/>
           </a:p>
           <a:p>
-            <a:pPr marL="285750" indent="-285750">
-              <a:buFont typeface="Arial" panose="020B0604020202020204" pitchFamily="34" charset="0"/>
-              <a:buChar char="•"/>
-            </a:pPr>
-            <a:r>
-              <a:rPr lang="en-US" dirty="0"/>
-              <a:t>Accuracy is recoded, and the process reiterated with new random trees, subsets and splits</a:t>
-            </a:r>
-          </a:p>
-          <a:p>
-            <a:pPr marL="285750" indent="-285750">
-              <a:buFont typeface="Arial" panose="020B0604020202020204" pitchFamily="34" charset="0"/>
-              <a:buChar char="•"/>
-            </a:pPr>
+            <a:pPr lvl="1"/>
             <a:endParaRPr lang="en-US" dirty="0"/>
-          </a:p>
-          <a:p>
-            <a:pPr marL="285750" indent="-285750">
-              <a:buFont typeface="Arial" panose="020B0604020202020204" pitchFamily="34" charset="0"/>
-              <a:buChar char="•"/>
-            </a:pPr>
-            <a:r>
-              <a:rPr lang="en-US" dirty="0"/>
-              <a:t>The algorithm learns that some variables and thresholds are better than others to predict the outcomes</a:t>
-            </a:r>
-          </a:p>
-          <a:p>
-            <a:pPr marL="285750" indent="-285750">
-              <a:buFont typeface="Arial" panose="020B0604020202020204" pitchFamily="34" charset="0"/>
-              <a:buChar char="•"/>
-            </a:pPr>
-            <a:endParaRPr lang="en-US" dirty="0"/>
-          </a:p>
-          <a:p>
-            <a:pPr marL="285750" indent="-285750">
-              <a:buFont typeface="Arial" panose="020B0604020202020204" pitchFamily="34" charset="0"/>
-              <a:buChar char="•"/>
-            </a:pPr>
-            <a:r>
-              <a:rPr lang="en-US" dirty="0"/>
-              <a:t>This is useful for feature reduction – reducing the number of variables, and ranking their importance on both classification and regression tasks</a:t>
-            </a:r>
-          </a:p>
-          <a:p>
-            <a:endParaRPr lang="en-US" dirty="0"/>
-          </a:p>
-          <a:p>
-            <a:pPr marL="742950" lvl="1" indent="-285750">
-              <a:buFont typeface="Arial" panose="020B0604020202020204" pitchFamily="34" charset="0"/>
-              <a:buChar char="•"/>
-            </a:pPr>
-            <a:r>
-              <a:rPr lang="en-US" dirty="0"/>
-              <a:t>Which variable can better predict the treatments used?</a:t>
-            </a:r>
-          </a:p>
-          <a:p>
-            <a:pPr marL="742950" lvl="1" indent="-285750">
-              <a:buFont typeface="Arial" panose="020B0604020202020204" pitchFamily="34" charset="0"/>
-              <a:buChar char="•"/>
-            </a:pPr>
-            <a:r>
-              <a:rPr lang="en-US" dirty="0"/>
-              <a:t>Which variable can better predict another key variable?</a:t>
-            </a:r>
           </a:p>
           <a:p>
             <a:pPr marL="285750" indent="-285750">
@@ -20619,7 +21728,7 @@
             <a:pPr algn="ctr"/>
             <a:r>
               <a:rPr lang="en-US" b="1" dirty="0"/>
-              <a:t>This method is very robust against outliers, non-parametric data, different measurement units, and slight differences in sample sizes</a:t>
+              <a:t>This method is very robust against outliers, non-parametric data, different measurement units, and differences in sample sizes</a:t>
             </a:r>
           </a:p>
         </p:txBody>
@@ -20638,8 +21747,8 @@
         </p:nvSpPr>
         <p:spPr>
           <a:xfrm>
-            <a:off x="6198373" y="3594717"/>
-            <a:ext cx="5610123" cy="2031325"/>
+            <a:off x="6005535" y="3749366"/>
+            <a:ext cx="4568983" cy="1477328"/>
           </a:xfrm>
           <a:prstGeom prst="rect">
             <a:avLst/>
@@ -20652,6 +21761,7 @@
           </a:bodyPr>
           <a:lstStyle/>
           <a:p>
+            <a:pPr algn="ctr"/>
             <a:r>
               <a:rPr lang="en-US" dirty="0"/>
               <a:t>10 votes for </a:t>
@@ -20666,6 +21776,7 @@
             </a:r>
           </a:p>
           <a:p>
+            <a:pPr algn="ctr"/>
             <a:r>
               <a:rPr lang="en-US" dirty="0"/>
               <a:t>26 votes for </a:t>
@@ -20680,12 +21791,14 @@
             </a:r>
           </a:p>
           <a:p>
+            <a:pPr algn="ctr"/>
             <a:endParaRPr lang="en-US" b="1" dirty="0"/>
           </a:p>
           <a:p>
+            <a:pPr algn="ctr"/>
             <a:r>
               <a:rPr lang="en-US" dirty="0"/>
-              <a:t>New sample data s7 is classified as </a:t>
+              <a:t>Sample s7 (the new data) is classified as </a:t>
             </a:r>
             <a:r>
               <a:rPr lang="en-US" b="1" dirty="0">
@@ -20695,27 +21808,108 @@
               </a:rPr>
               <a:t>Sufficient biocontrol!</a:t>
             </a:r>
+            <a:endParaRPr lang="en-US" dirty="0"/>
+          </a:p>
+        </p:txBody>
+      </p:sp>
+      <p:sp>
+        <p:nvSpPr>
+          <p:cNvPr id="38" name="TextBox 37">
+            <a:extLst>
+              <a:ext uri="{FF2B5EF4-FFF2-40B4-BE49-F238E27FC236}">
+                <a16:creationId xmlns:a16="http://schemas.microsoft.com/office/drawing/2014/main" id="{8695EB80-FBB8-EA9A-F7A7-D938D45FB525}"/>
+              </a:ext>
+            </a:extLst>
+          </p:cNvPr>
+          <p:cNvSpPr txBox="1"/>
+          <p:nvPr/>
+        </p:nvSpPr>
+        <p:spPr>
+          <a:xfrm>
+            <a:off x="-12299" y="2354991"/>
+            <a:ext cx="5600021" cy="2031325"/>
+          </a:xfrm>
+          <a:prstGeom prst="rect">
+            <a:avLst/>
+          </a:prstGeom>
+          <a:noFill/>
+        </p:spPr>
+        <p:txBody>
+          <a:bodyPr wrap="square">
+            <a:spAutoFit/>
+          </a:bodyPr>
+          <a:lstStyle/>
+          <a:p>
+            <a:pPr marL="285750" indent="-285750">
+              <a:buFont typeface="Arial" panose="020B0604020202020204" pitchFamily="34" charset="0"/>
+              <a:buChar char="•"/>
+            </a:pPr>
+            <a:endParaRPr lang="en-US" dirty="0"/>
+          </a:p>
+          <a:p>
+            <a:pPr marL="285750" indent="-285750">
+              <a:buFont typeface="Arial" panose="020B0604020202020204" pitchFamily="34" charset="0"/>
+              <a:buChar char="•"/>
+            </a:pPr>
             <a:r>
               <a:rPr lang="en-US" dirty="0"/>
-              <a:t>... </a:t>
-            </a:r>
-            <a:r>
-              <a:rPr lang="en-US" i="1" dirty="0"/>
-              <a:t>Which is wrong!</a:t>
-            </a:r>
-          </a:p>
-          <a:p>
+              <a:t>Accuracy is recoded, and the process reiterated with new random trees, subsets and splits</a:t>
+            </a:r>
+          </a:p>
+          <a:p>
+            <a:pPr marL="285750" indent="-285750">
+              <a:buFont typeface="Arial" panose="020B0604020202020204" pitchFamily="34" charset="0"/>
+              <a:buChar char="•"/>
+            </a:pPr>
+            <a:endParaRPr lang="en-US" dirty="0"/>
+          </a:p>
+          <a:p>
+            <a:pPr marL="285750" indent="-285750">
+              <a:buFont typeface="Arial" panose="020B0604020202020204" pitchFamily="34" charset="0"/>
+              <a:buChar char="•"/>
+            </a:pPr>
             <a:r>
               <a:rPr lang="en-US" dirty="0"/>
-              <a:t>Now check true label, next samples, check precision and iterate with new trees with new features and </a:t>
-            </a:r>
-            <a:r>
-              <a:rPr lang="en-US" dirty="0" err="1"/>
-              <a:t>treholds</a:t>
-            </a:r>
+              <a:t>The algorithm learns that some variables and thresholds are better than others to predict the outcomes</a:t>
+            </a:r>
+          </a:p>
+        </p:txBody>
+      </p:sp>
+      <p:sp>
+        <p:nvSpPr>
+          <p:cNvPr id="40" name="TextBox 39">
+            <a:extLst>
+              <a:ext uri="{FF2B5EF4-FFF2-40B4-BE49-F238E27FC236}">
+                <a16:creationId xmlns:a16="http://schemas.microsoft.com/office/drawing/2014/main" id="{2471C3A5-C17A-6A8B-C828-54A3B4BF561F}"/>
+              </a:ext>
+            </a:extLst>
+          </p:cNvPr>
+          <p:cNvSpPr txBox="1"/>
+          <p:nvPr/>
+        </p:nvSpPr>
+        <p:spPr>
+          <a:xfrm>
+            <a:off x="0" y="4580362"/>
+            <a:ext cx="5373546" cy="923330"/>
+          </a:xfrm>
+          <a:prstGeom prst="rect">
+            <a:avLst/>
+          </a:prstGeom>
+          <a:noFill/>
+        </p:spPr>
+        <p:txBody>
+          <a:bodyPr wrap="square">
+            <a:spAutoFit/>
+          </a:bodyPr>
+          <a:lstStyle/>
+          <a:p>
+            <a:pPr marL="285750" indent="-285750">
+              <a:buFont typeface="Arial" panose="020B0604020202020204" pitchFamily="34" charset="0"/>
+              <a:buChar char="•"/>
+            </a:pPr>
             <a:r>
               <a:rPr lang="en-US" dirty="0"/>
-              <a:t>…</a:t>
+              <a:t>This is useful for feature reduction – reducing the number of variables, and ranking their importance on both classification and regression tasks</a:t>
             </a:r>
           </a:p>
         </p:txBody>
@@ -20852,7 +22046,7 @@
                                           </p:stCondLst>
                                         </p:cTn>
                                         <p:tgtEl>
-                                          <p:spTgt spid="18"/>
+                                          <p:spTgt spid="38"/>
                                         </p:tgtEl>
                                         <p:attrNameLst>
                                           <p:attrName>style.visibility</p:attrName>
@@ -20866,6 +22060,112 @@
                                       <p:cBhvr>
                                         <p:cTn id="15" dur="500"/>
                                         <p:tgtEl>
+                                          <p:spTgt spid="38"/>
+                                        </p:tgtEl>
+                                      </p:cBhvr>
+                                    </p:animEffect>
+                                  </p:childTnLst>
+                                </p:cTn>
+                              </p:par>
+                            </p:childTnLst>
+                          </p:cTn>
+                        </p:par>
+                      </p:childTnLst>
+                    </p:cTn>
+                  </p:par>
+                  <p:par>
+                    <p:cTn id="16" fill="hold">
+                      <p:stCondLst>
+                        <p:cond delay="indefinite"/>
+                      </p:stCondLst>
+                      <p:childTnLst>
+                        <p:par>
+                          <p:cTn id="17" fill="hold">
+                            <p:stCondLst>
+                              <p:cond delay="0"/>
+                            </p:stCondLst>
+                            <p:childTnLst>
+                              <p:par>
+                                <p:cTn id="18" presetID="10" presetClass="entr" presetSubtype="0" fill="hold" grpId="0" nodeType="clickEffect">
+                                  <p:stCondLst>
+                                    <p:cond delay="0"/>
+                                  </p:stCondLst>
+                                  <p:childTnLst>
+                                    <p:set>
+                                      <p:cBhvr>
+                                        <p:cTn id="19" dur="1" fill="hold">
+                                          <p:stCondLst>
+                                            <p:cond delay="0"/>
+                                          </p:stCondLst>
+                                        </p:cTn>
+                                        <p:tgtEl>
+                                          <p:spTgt spid="40"/>
+                                        </p:tgtEl>
+                                        <p:attrNameLst>
+                                          <p:attrName>style.visibility</p:attrName>
+                                        </p:attrNameLst>
+                                      </p:cBhvr>
+                                      <p:to>
+                                        <p:strVal val="visible"/>
+                                      </p:to>
+                                    </p:set>
+                                    <p:animEffect transition="in" filter="fade">
+                                      <p:cBhvr>
+                                        <p:cTn id="20" dur="500"/>
+                                        <p:tgtEl>
+                                          <p:spTgt spid="40"/>
+                                        </p:tgtEl>
+                                      </p:cBhvr>
+                                    </p:animEffect>
+                                  </p:childTnLst>
+                                </p:cTn>
+                              </p:par>
+                            </p:childTnLst>
+                          </p:cTn>
+                        </p:par>
+                      </p:childTnLst>
+                    </p:cTn>
+                  </p:par>
+                  <p:par>
+                    <p:cTn id="21" fill="hold">
+                      <p:stCondLst>
+                        <p:cond delay="indefinite"/>
+                      </p:stCondLst>
+                      <p:childTnLst>
+                        <p:par>
+                          <p:cTn id="22" fill="hold">
+                            <p:stCondLst>
+                              <p:cond delay="0"/>
+                            </p:stCondLst>
+                            <p:childTnLst>
+                              <p:par>
+                                <p:cTn id="23" presetID="10" presetClass="entr" presetSubtype="0" fill="hold" grpId="0" nodeType="clickEffect">
+                                  <p:stCondLst>
+                                    <p:cond delay="0"/>
+                                  </p:stCondLst>
+                                  <p:childTnLst>
+                                    <p:set>
+                                      <p:cBhvr>
+                                        <p:cTn id="24" dur="1" fill="hold">
+                                          <p:stCondLst>
+                                            <p:cond delay="0"/>
+                                          </p:stCondLst>
+                                        </p:cTn>
+                                        <p:tgtEl>
+                                          <p:spTgt spid="18"/>
+                                        </p:tgtEl>
+                                        <p:attrNameLst>
+                                          <p:attrName>style.visibility</p:attrName>
+                                        </p:attrNameLst>
+                                      </p:cBhvr>
+                                      <p:to>
+                                        <p:strVal val="visible"/>
+                                      </p:to>
+                                    </p:set>
+                                    <p:animEffect transition="in" filter="fade">
+                                      <p:cBhvr>
+                                        <p:cTn id="25" dur="500"/>
+                                        <p:tgtEl>
                                           <p:spTgt spid="18"/>
                                         </p:tgtEl>
                                       </p:cBhvr>
@@ -20874,14 +22174,14 @@
                                 </p:cTn>
                               </p:par>
                               <p:par>
-                                <p:cTn id="16" presetID="10" presetClass="entr" presetSubtype="0" fill="hold" grpId="0" nodeType="withEffect">
+                                <p:cTn id="26" presetID="10" presetClass="entr" presetSubtype="0" fill="hold" grpId="0" nodeType="withEffect">
                                   <p:stCondLst>
                                     <p:cond delay="0"/>
                                   </p:stCondLst>
                                   <p:childTnLst>
                                     <p:set>
                                       <p:cBhvr>
-                                        <p:cTn id="17" dur="1" fill="hold">
+                                        <p:cTn id="27" dur="1" fill="hold">
                                           <p:stCondLst>
                                             <p:cond delay="0"/>
                                           </p:stCondLst>
@@ -20899,7 +22199,7 @@
                                     </p:set>
                                     <p:animEffect transition="in" filter="fade">
                                       <p:cBhvr>
-                                        <p:cTn id="18" dur="500"/>
+                                        <p:cTn id="28" dur="500"/>
                                         <p:tgtEl>
                                           <p:spTgt spid="147"/>
                                         </p:tgtEl>
@@ -20940,6 +22240,8 @@
       <p:bldP spid="18" grpId="0" animBg="1"/>
       <p:bldP spid="147" grpId="0"/>
       <p:bldP spid="24" grpId="0"/>
+      <p:bldP spid="38" grpId="0"/>
+      <p:bldP spid="40" grpId="0"/>
     </p:bldLst>
   </p:timing>
 </p:sld>
@@ -21059,7 +22361,7 @@
         <p:spPr>
           <a:xfrm>
             <a:off x="-8103" y="523220"/>
-            <a:ext cx="5885027" cy="5355312"/>
+            <a:ext cx="6007428" cy="5355312"/>
           </a:xfrm>
           <a:prstGeom prst="rect">
             <a:avLst/>
@@ -21078,7 +22380,15 @@
             </a:pPr>
             <a:r>
               <a:rPr lang="en-US" dirty="0"/>
-              <a:t>We can use the Boruta R package to easily run feature selection with random forest </a:t>
+              <a:t>The R package </a:t>
+            </a:r>
+            <a:r>
+              <a:rPr lang="en-US" i="1" dirty="0"/>
+              <a:t>Boruta</a:t>
+            </a:r>
+            <a:r>
+              <a:rPr lang="en-US" dirty="0"/>
+              <a:t> can easily run variable selection with random forest </a:t>
             </a:r>
           </a:p>
           <a:p>
@@ -21095,7 +22405,7 @@
             </a:pPr>
             <a:r>
               <a:rPr lang="en-US" dirty="0"/>
-              <a:t>Boruta (name of a Slavic demon that lives in the forest) selects the features (variables) most important to predict a classification or another variable</a:t>
+              <a:t>Boruta (name of a Slavic demon that lives in the forest) selects the features (variables) most important to predict a classification (treatment) or continuous variable (biomass)</a:t>
             </a:r>
           </a:p>
           <a:p>
@@ -21218,7 +22528,7 @@
             </a:pPr>
             <a:r>
               <a:rPr lang="en-US" dirty="0"/>
-              <a:t>Several simple functions can help you explore the output</a:t>
+              <a:t>A few simple functions can help you explore the output</a:t>
             </a:r>
           </a:p>
           <a:p>
@@ -21261,7 +22571,7 @@
             <a:pPr algn="ctr"/>
             <a:r>
               <a:rPr lang="en-US" dirty="0"/>
-              <a:t>Let’s see a microbiome-based example: </a:t>
+              <a:t>A microbiome-based example: </a:t>
             </a:r>
             <a:r>
               <a:rPr lang="en-US" b="1" dirty="0"/>
@@ -21286,35 +22596,6 @@
           </a:p>
         </p:txBody>
       </p:sp>
-      <p:pic>
-        <p:nvPicPr>
-          <p:cNvPr id="9" name="Picture 8">
-            <a:extLst>
-              <a:ext uri="{FF2B5EF4-FFF2-40B4-BE49-F238E27FC236}">
-                <a16:creationId xmlns:a16="http://schemas.microsoft.com/office/drawing/2014/main" id="{4C342019-DBF7-0C48-48BE-C7F5E81909EF}"/>
-              </a:ext>
-            </a:extLst>
-          </p:cNvPr>
-          <p:cNvPicPr>
-            <a:picLocks noChangeAspect="1"/>
-          </p:cNvPicPr>
-          <p:nvPr/>
-        </p:nvPicPr>
-        <p:blipFill rotWithShape="1">
-          <a:blip r:embed="rId2"/>
-          <a:srcRect b="56878"/>
-          <a:stretch/>
-        </p:blipFill>
-        <p:spPr>
-          <a:xfrm>
-            <a:off x="6192676" y="1459324"/>
-            <a:ext cx="5283472" cy="1777212"/>
-          </a:xfrm>
-          <a:prstGeom prst="rect">
-            <a:avLst/>
-          </a:prstGeom>
-        </p:spPr>
-      </p:pic>
       <p:pic>
         <p:nvPicPr>
           <p:cNvPr id="11" name="Picture 10">
@@ -21330,15 +22611,15 @@
           <p:nvPr/>
         </p:nvPicPr>
         <p:blipFill>
-          <a:blip r:embed="rId3"/>
+          <a:blip r:embed="rId2"/>
           <a:stretch>
             <a:fillRect/>
           </a:stretch>
         </p:blipFill>
         <p:spPr>
           <a:xfrm>
-            <a:off x="6297457" y="405169"/>
-            <a:ext cx="5178691" cy="1075923"/>
+            <a:off x="6881309" y="3288191"/>
+            <a:ext cx="4209179" cy="874498"/>
           </a:xfrm>
           <a:prstGeom prst="rect">
             <a:avLst/>
@@ -21359,8 +22640,8 @@
         </p:nvSpPr>
         <p:spPr>
           <a:xfrm>
-            <a:off x="6192676" y="3389856"/>
-            <a:ext cx="5999324" cy="523220"/>
+            <a:off x="6138637" y="595126"/>
+            <a:ext cx="5999324" cy="954107"/>
           </a:xfrm>
           <a:prstGeom prst="rect">
             <a:avLst/>
@@ -21375,60 +22656,66 @@
           <a:p>
             <a:r>
               <a:rPr lang="en-US" sz="1400" dirty="0"/>
-              <a:t>500 features (bacterial Amplicon Sequencing Variants, counted per sample)</a:t>
+              <a:t>500 features (bacterial Amplicon Sequencing Variants, counts per sample)</a:t>
             </a:r>
           </a:p>
           <a:p>
             <a:r>
               <a:rPr lang="en-US" sz="1400" dirty="0"/>
-              <a:t>143 samples (16S amplicon sequencing from Illumina, from 3 different plant sp.)</a:t>
-            </a:r>
+              <a:t>143 samples (16S amplicon sequencing from Illumina)</a:t>
+            </a:r>
+          </a:p>
+          <a:p>
+            <a:r>
+              <a:rPr lang="en-US" sz="1400" b="1" i="1" dirty="0"/>
+              <a:t>This can be easily replaced by plant or insect variables!</a:t>
+            </a:r>
+            <a:endParaRPr lang="en-NL" sz="1400" b="1" i="1" dirty="0"/>
+          </a:p>
+          <a:p>
             <a:endParaRPr lang="en-NL" sz="1400" dirty="0"/>
           </a:p>
         </p:txBody>
       </p:sp>
-      <p:sp>
-        <p:nvSpPr>
-          <p:cNvPr id="15" name="TextBox 14">
+      <p:pic>
+        <p:nvPicPr>
+          <p:cNvPr id="4" name="Picture 3">
             <a:extLst>
               <a:ext uri="{FF2B5EF4-FFF2-40B4-BE49-F238E27FC236}">
-                <a16:creationId xmlns:a16="http://schemas.microsoft.com/office/drawing/2014/main" id="{7771D105-A3A3-547D-8034-DCAC1BF20D5C}"/>
+                <a16:creationId xmlns:a16="http://schemas.microsoft.com/office/drawing/2014/main" id="{C6C8DB78-3C27-E3AF-7BE2-88D45D12AE71}"/>
               </a:ext>
             </a:extLst>
           </p:cNvPr>
-          <p:cNvSpPr txBox="1"/>
+          <p:cNvPicPr>
+            <a:picLocks noChangeAspect="1"/>
+          </p:cNvPicPr>
           <p:nvPr/>
-        </p:nvSpPr>
+        </p:nvPicPr>
+        <p:blipFill>
+          <a:blip r:embed="rId3"/>
+          <a:stretch>
+            <a:fillRect/>
+          </a:stretch>
+        </p:blipFill>
         <p:spPr>
           <a:xfrm>
-            <a:off x="6858000" y="5713330"/>
-            <a:ext cx="4781550" cy="307777"/>
+            <a:off x="6297456" y="1436868"/>
+            <a:ext cx="5681687" cy="1777211"/>
           </a:xfrm>
           <a:prstGeom prst="rect">
             <a:avLst/>
           </a:prstGeom>
-          <a:noFill/>
+          <a:ln w="28575">
+            <a:noFill/>
+          </a:ln>
         </p:spPr>
-        <p:txBody>
-          <a:bodyPr wrap="square" rtlCol="0">
-            <a:spAutoFit/>
-          </a:bodyPr>
-          <a:lstStyle/>
-          <a:p>
-            <a:r>
-              <a:rPr lang="en-US" sz="1400" b="1" i="1" dirty="0"/>
-              <a:t>This can be easily replaced by dozen plant or insect variables!</a:t>
-            </a:r>
-            <a:endParaRPr lang="en-NL" sz="1400" b="1" i="1" dirty="0"/>
-          </a:p>
-        </p:txBody>
-      </p:sp>
+      </p:pic>
       <p:pic>
         <p:nvPicPr>
-          <p:cNvPr id="5" name="Picture 4">
+          <p:cNvPr id="10" name="Picture 9">
             <a:extLst>
               <a:ext uri="{FF2B5EF4-FFF2-40B4-BE49-F238E27FC236}">
-                <a16:creationId xmlns:a16="http://schemas.microsoft.com/office/drawing/2014/main" id="{B0F98E43-5E1D-30BB-43A6-4B681823A622}"/>
+                <a16:creationId xmlns:a16="http://schemas.microsoft.com/office/drawing/2014/main" id="{2E97D09D-4250-5C1D-C7FB-8FEB90BF8C18}"/>
               </a:ext>
             </a:extLst>
           </p:cNvPr>
@@ -21445,8 +22732,8 @@
         </p:blipFill>
         <p:spPr>
           <a:xfrm>
-            <a:off x="6238626" y="3979991"/>
-            <a:ext cx="5296351" cy="1656679"/>
+            <a:off x="6881308" y="4137844"/>
+            <a:ext cx="4209180" cy="1778045"/>
           </a:xfrm>
           <a:prstGeom prst="rect">
             <a:avLst/>
@@ -21532,7 +22819,7 @@
                                           </p:stCondLst>
                                         </p:cTn>
                                         <p:tgtEl>
-                                          <p:spTgt spid="5"/>
+                                          <p:spTgt spid="4"/>
                                         </p:tgtEl>
                                         <p:attrNameLst>
                                           <p:attrName>style.visibility</p:attrName>
@@ -21546,7 +22833,60 @@
                                       <p:cBhvr>
                                         <p:cTn id="10" dur="500"/>
                                         <p:tgtEl>
-                                          <p:spTgt spid="5"/>
+                                          <p:spTgt spid="4"/>
+                                        </p:tgtEl>
+                                      </p:cBhvr>
+                                    </p:animEffect>
+                                  </p:childTnLst>
+                                </p:cTn>
+                              </p:par>
+                            </p:childTnLst>
+                          </p:cTn>
+                        </p:par>
+                      </p:childTnLst>
+                    </p:cTn>
+                  </p:par>
+                  <p:par>
+                    <p:cTn id="11" fill="hold">
+                      <p:stCondLst>
+                        <p:cond delay="indefinite"/>
+                      </p:stCondLst>
+                      <p:childTnLst>
+                        <p:par>
+                          <p:cTn id="12" fill="hold">
+                            <p:stCondLst>
+                              <p:cond delay="0"/>
+                            </p:stCondLst>
+                            <p:childTnLst>
+                              <p:par>
+                                <p:cTn id="13" presetID="10" presetClass="entr" presetSubtype="0" fill="hold" nodeType="clickEffect">
+                                  <p:stCondLst>
+                                    <p:cond delay="0"/>
+                                  </p:stCondLst>
+                                  <p:childTnLst>
+                                    <p:set>
+                                      <p:cBhvr>
+                                        <p:cTn id="14" dur="1" fill="hold">
+                                          <p:stCondLst>
+                                            <p:cond delay="0"/>
+                                          </p:stCondLst>
+                                        </p:cTn>
+                                        <p:tgtEl>
+                                          <p:spTgt spid="11"/>
+                                        </p:tgtEl>
+                                        <p:attrNameLst>
+                                          <p:attrName>style.visibility</p:attrName>
+                                        </p:attrNameLst>
+                                      </p:cBhvr>
+                                      <p:to>
+                                        <p:strVal val="visible"/>
+                                      </p:to>
+                                    </p:set>
+                                    <p:animEffect transition="in" filter="fade">
+                                      <p:cBhvr>
+                                        <p:cTn id="15" dur="500"/>
+                                        <p:tgtEl>
+                                          <p:spTgt spid="11"/>
                                         </p:tgtEl>
                                       </p:cBhvr>
                                     </p:animEffect>
@@ -21554,14 +22894,67 @@
                                 </p:cTn>
                               </p:par>
                               <p:par>
-                                <p:cTn id="11" presetID="10" presetClass="entr" presetSubtype="0" fill="hold" grpId="0" nodeType="withEffect">
+                                <p:cTn id="16" presetID="10" presetClass="entr" presetSubtype="0" fill="hold" nodeType="withEffect">
                                   <p:stCondLst>
                                     <p:cond delay="0"/>
                                   </p:stCondLst>
                                   <p:childTnLst>
                                     <p:set>
                                       <p:cBhvr>
-                                        <p:cTn id="12" dur="1" fill="hold">
+                                        <p:cTn id="17" dur="1" fill="hold">
+                                          <p:stCondLst>
+                                            <p:cond delay="0"/>
+                                          </p:stCondLst>
+                                        </p:cTn>
+                                        <p:tgtEl>
+                                          <p:spTgt spid="10"/>
+                                        </p:tgtEl>
+                                        <p:attrNameLst>
+                                          <p:attrName>style.visibility</p:attrName>
+                                        </p:attrNameLst>
+                                      </p:cBhvr>
+                                      <p:to>
+                                        <p:strVal val="visible"/>
+                                      </p:to>
+                                    </p:set>
+                                    <p:animEffect transition="in" filter="fade">
+                                      <p:cBhvr>
+                                        <p:cTn id="18" dur="500"/>
+                                        <p:tgtEl>
+                                          <p:spTgt spid="10"/>
+                                        </p:tgtEl>
+                                      </p:cBhvr>
+                                    </p:animEffect>
+                                  </p:childTnLst>
+                                </p:cTn>
+                              </p:par>
+                            </p:childTnLst>
+                          </p:cTn>
+                        </p:par>
+                      </p:childTnLst>
+                    </p:cTn>
+                  </p:par>
+                  <p:par>
+                    <p:cTn id="19" fill="hold">
+                      <p:stCondLst>
+                        <p:cond delay="indefinite"/>
+                      </p:stCondLst>
+                      <p:childTnLst>
+                        <p:par>
+                          <p:cTn id="20" fill="hold">
+                            <p:stCondLst>
+                              <p:cond delay="0"/>
+                            </p:stCondLst>
+                            <p:childTnLst>
+                              <p:par>
+                                <p:cTn id="21" presetID="10" presetClass="entr" presetSubtype="0" fill="hold" grpId="0" nodeType="clickEffect">
+                                  <p:stCondLst>
+                                    <p:cond delay="0"/>
+                                  </p:stCondLst>
+                                  <p:childTnLst>
+                                    <p:set>
+                                      <p:cBhvr>
+                                        <p:cTn id="22" dur="1" fill="hold">
                                           <p:stCondLst>
                                             <p:cond delay="0"/>
                                           </p:stCondLst>
@@ -21579,7 +22972,7 @@
                                     </p:set>
                                     <p:animEffect transition="in" filter="fade">
                                       <p:cBhvr>
-                                        <p:cTn id="13" dur="500"/>
+                                        <p:cTn id="23" dur="500"/>
                                         <p:tgtEl>
                                           <p:spTgt spid="6"/>
                                         </p:tgtEl>
@@ -21589,14 +22982,14 @@
                                 </p:cTn>
                               </p:par>
                               <p:par>
-                                <p:cTn id="14" presetID="10" presetClass="entr" presetSubtype="0" fill="hold" grpId="0" nodeType="withEffect">
+                                <p:cTn id="24" presetID="10" presetClass="entr" presetSubtype="0" fill="hold" grpId="0" nodeType="withEffect">
                                   <p:stCondLst>
                                     <p:cond delay="0"/>
                                   </p:stCondLst>
                                   <p:childTnLst>
                                     <p:set>
                                       <p:cBhvr>
-                                        <p:cTn id="15" dur="1" fill="hold">
+                                        <p:cTn id="25" dur="1" fill="hold">
                                           <p:stCondLst>
                                             <p:cond delay="0"/>
                                           </p:stCondLst>
@@ -21614,44 +23007,9 @@
                                     </p:set>
                                     <p:animEffect transition="in" filter="fade">
                                       <p:cBhvr>
-                                        <p:cTn id="16" dur="500"/>
+                                        <p:cTn id="26" dur="500"/>
                                         <p:tgtEl>
                                           <p:spTgt spid="7"/>
-                                        </p:tgtEl>
-                                      </p:cBhvr>
-                                    </p:animEffect>
-                                  </p:childTnLst>
-                                </p:cTn>
-                              </p:par>
-                              <p:par>
-                                <p:cTn id="17" presetID="10" presetClass="entr" presetSubtype="0" fill="hold" grpId="0" nodeType="withEffect">
-                                  <p:stCondLst>
-                                    <p:cond delay="0"/>
-                                  </p:stCondLst>
-                                  <p:childTnLst>
-                                    <p:set>
-                                      <p:cBhvr>
-                                        <p:cTn id="18" dur="1" fill="hold">
-                                          <p:stCondLst>
-                                            <p:cond delay="0"/>
-                                          </p:stCondLst>
-                                        </p:cTn>
-                                        <p:tgtEl>
-                                          <p:spTgt spid="15"/>
-                                        </p:tgtEl>
-                                        <p:attrNameLst>
-                                          <p:attrName>style.visibility</p:attrName>
-                                        </p:attrNameLst>
-                                      </p:cBhvr>
-                                      <p:to>
-                                        <p:strVal val="visible"/>
-                                      </p:to>
-                                    </p:set>
-                                    <p:animEffect transition="in" filter="fade">
-                                      <p:cBhvr>
-                                        <p:cTn id="19" dur="500"/>
-                                        <p:tgtEl>
-                                          <p:spTgt spid="15"/>
                                         </p:tgtEl>
                                       </p:cBhvr>
                                     </p:animEffect>
@@ -21689,7 +23047,6 @@
       <p:bldP spid="6" grpId="0" animBg="1"/>
       <p:bldP spid="7" grpId="0"/>
       <p:bldP spid="14" grpId="0"/>
-      <p:bldP spid="15" grpId="0"/>
     </p:bldLst>
   </p:timing>
 </p:sld>
@@ -22038,41 +23395,6 @@
           </a:p>
         </p:txBody>
       </p:sp>
-      <p:pic>
-        <p:nvPicPr>
-          <p:cNvPr id="18" name="Picture 17">
-            <a:extLst>
-              <a:ext uri="{FF2B5EF4-FFF2-40B4-BE49-F238E27FC236}">
-                <a16:creationId xmlns:a16="http://schemas.microsoft.com/office/drawing/2014/main" id="{82249D00-9997-75A9-F4E7-BC7FD07B3FD7}"/>
-              </a:ext>
-            </a:extLst>
-          </p:cNvPr>
-          <p:cNvPicPr>
-            <a:picLocks noChangeAspect="1"/>
-          </p:cNvPicPr>
-          <p:nvPr/>
-        </p:nvPicPr>
-        <p:blipFill>
-          <a:blip r:embed="rId6"/>
-          <a:stretch>
-            <a:fillRect/>
-          </a:stretch>
-        </p:blipFill>
-        <p:spPr>
-          <a:xfrm>
-            <a:off x="7328351" y="1817473"/>
-            <a:ext cx="4743450" cy="1483734"/>
-          </a:xfrm>
-          <a:prstGeom prst="rect">
-            <a:avLst/>
-          </a:prstGeom>
-          <a:ln w="28575">
-            <a:solidFill>
-              <a:srgbClr val="FF0000"/>
-            </a:solidFill>
-          </a:ln>
-        </p:spPr>
-      </p:pic>
       <p:sp>
         <p:nvSpPr>
           <p:cNvPr id="19" name="Arrow: Down 18">
@@ -22086,8 +23408,8 @@
           <p:nvPr/>
         </p:nvSpPr>
         <p:spPr>
-          <a:xfrm rot="6713766">
-            <a:off x="6518558" y="877541"/>
+          <a:xfrm rot="8009227">
+            <a:off x="5773111" y="1172164"/>
             <a:ext cx="242867" cy="1431385"/>
           </a:xfrm>
           <a:prstGeom prst="downArrow">
@@ -22127,6 +23449,41 @@
           </a:p>
         </p:txBody>
       </p:sp>
+      <p:pic>
+        <p:nvPicPr>
+          <p:cNvPr id="2" name="Picture 1">
+            <a:extLst>
+              <a:ext uri="{FF2B5EF4-FFF2-40B4-BE49-F238E27FC236}">
+                <a16:creationId xmlns:a16="http://schemas.microsoft.com/office/drawing/2014/main" id="{0A2E1E16-CA02-E0F0-63B2-004F1992D9FE}"/>
+              </a:ext>
+            </a:extLst>
+          </p:cNvPr>
+          <p:cNvPicPr>
+            <a:picLocks noChangeAspect="1"/>
+          </p:cNvPicPr>
+          <p:nvPr/>
+        </p:nvPicPr>
+        <p:blipFill>
+          <a:blip r:embed="rId6"/>
+          <a:stretch>
+            <a:fillRect/>
+          </a:stretch>
+        </p:blipFill>
+        <p:spPr>
+          <a:xfrm>
+            <a:off x="6297456" y="1436868"/>
+            <a:ext cx="5681687" cy="1777211"/>
+          </a:xfrm>
+          <a:prstGeom prst="rect">
+            <a:avLst/>
+          </a:prstGeom>
+          <a:ln w="28575">
+            <a:solidFill>
+              <a:srgbClr val="FF0000"/>
+            </a:solidFill>
+          </a:ln>
+        </p:spPr>
+      </p:pic>
     </p:spTree>
     <p:extLst>
       <p:ext uri="{BB962C8B-B14F-4D97-AF65-F5344CB8AC3E}">
@@ -24019,7 +25376,7 @@
             </a:r>
             <a:r>
               <a:rPr lang="en-US" dirty="0"/>
-              <a:t> a new model, and then </a:t>
+              <a:t> a new RF model, and then </a:t>
             </a:r>
             <a:r>
               <a:rPr lang="en-US" b="1" dirty="0"/>
@@ -24617,7 +25974,7 @@
         <p:spPr>
           <a:xfrm>
             <a:off x="123825" y="523220"/>
-            <a:ext cx="11188384" cy="923330"/>
+            <a:ext cx="11617924" cy="923330"/>
           </a:xfrm>
           <a:prstGeom prst="rect">
             <a:avLst/>
@@ -24636,16 +25993,21 @@
             </a:pPr>
             <a:r>
               <a:rPr lang="en-US" dirty="0"/>
-              <a:t>There are dozens of methods and packages that will perform the data splitting and testing for you (I use </a:t>
+              <a:t>There are </a:t>
+            </a:r>
+            <a:r>
+              <a:rPr lang="en-US" dirty="0" err="1"/>
+              <a:t>manymethods</a:t>
+            </a:r>
+            <a:r>
+              <a:rPr lang="en-US" dirty="0"/>
+              <a:t> and packages that will perform the data splitting and testing for you. I use the R package </a:t>
             </a:r>
             <a:r>
               <a:rPr lang="en-US" i="1" dirty="0"/>
               <a:t>caret</a:t>
             </a:r>
-            <a:r>
-              <a:rPr lang="en-US" dirty="0"/>
-              <a:t>)</a:t>
-            </a:r>
+            <a:endParaRPr lang="en-US" dirty="0"/>
           </a:p>
           <a:p>
             <a:pPr marL="285750" indent="-285750">

--- a/Docs/RandomForestExample.pptx
+++ b/Docs/RandomForestExample.pptx
@@ -3940,8 +3940,8 @@
         </p:nvSpPr>
         <p:spPr>
           <a:xfrm>
-            <a:off x="180790" y="4734661"/>
-            <a:ext cx="11642867" cy="369332"/>
+            <a:off x="2924175" y="4670771"/>
+            <a:ext cx="6528710" cy="369332"/>
           </a:xfrm>
           <a:prstGeom prst="rect">
             <a:avLst/>
@@ -3956,23 +3956,7 @@
           <a:p>
             <a:r>
               <a:rPr lang="en-US" dirty="0"/>
-              <a:t>Random forest overview – Feature selection with </a:t>
-            </a:r>
-            <a:r>
-              <a:rPr lang="en-US" i="1" dirty="0"/>
-              <a:t>Boruta</a:t>
-            </a:r>
-            <a:r>
-              <a:rPr lang="en-US" dirty="0"/>
-              <a:t> – Split, train and test with </a:t>
-            </a:r>
-            <a:r>
-              <a:rPr lang="en-US" i="1" dirty="0"/>
-              <a:t>caret</a:t>
-            </a:r>
-            <a:r>
-              <a:rPr lang="en-US" dirty="0"/>
-              <a:t> – Examples – Data/code available!</a:t>
+              <a:t>Random forest overview – Feature selection – Split, train and test</a:t>
             </a:r>
             <a:endParaRPr lang="en-NL" dirty="0"/>
           </a:p>
@@ -4143,7 +4127,7 @@
         </p:nvSpPr>
         <p:spPr>
           <a:xfrm>
-            <a:off x="3693515" y="2796248"/>
+            <a:off x="2666100" y="5071673"/>
             <a:ext cx="8345184" cy="276999"/>
           </a:xfrm>
           <a:prstGeom prst="rect">
@@ -4159,7 +4143,7 @@
           <a:p>
             <a:r>
               <a:rPr lang="en-US" sz="1200" dirty="0"/>
-              <a:t>Available on </a:t>
+              <a:t>Example data and code publicly available on </a:t>
             </a:r>
             <a:r>
               <a:rPr lang="en-NL" sz="1200" dirty="0"/>
@@ -4311,7 +4295,7 @@
             </a:pPr>
             <a:r>
               <a:rPr lang="en-US" dirty="0"/>
-              <a:t>Train the model with the training dataset and a few parameter. It takes a few minutes</a:t>
+              <a:t>Define a few parameters and train the algorithm with the training dataset. It takes a few minutes</a:t>
             </a:r>
           </a:p>
           <a:p>
@@ -4583,7 +4567,7 @@
             </a:pPr>
             <a:r>
               <a:rPr lang="en-US" dirty="0"/>
-              <a:t>Test the model with the test set. it is processed quickly</a:t>
+              <a:t>Test the model with the test dataset. it is processed quickly</a:t>
             </a:r>
             <a:endParaRPr lang="en-NL" dirty="0"/>
           </a:p>
@@ -4731,7 +4715,7 @@
         <p:spPr>
           <a:xfrm flipH="1">
             <a:off x="1244600" y="4175142"/>
-            <a:ext cx="4570206" cy="0"/>
+            <a:ext cx="4693602" cy="0"/>
           </a:xfrm>
           <a:prstGeom prst="line">
             <a:avLst/>
@@ -4769,7 +4753,7 @@
         </p:nvCxnSpPr>
         <p:spPr>
           <a:xfrm>
-            <a:off x="5814806" y="4159139"/>
+            <a:off x="5938202" y="4150442"/>
             <a:ext cx="0" cy="860310"/>
           </a:xfrm>
           <a:prstGeom prst="line">
@@ -6514,11 +6498,11 @@
             </a:r>
             <a:r>
               <a:rPr lang="en-US" b="1" dirty="0"/>
-              <a:t>better than random </a:t>
+              <a:t>better than random noise</a:t>
             </a:r>
             <a:r>
               <a:rPr lang="en-US" dirty="0"/>
-              <a:t>noise in separating the treatments</a:t>
+              <a:t> in separating the treatments</a:t>
             </a:r>
           </a:p>
           <a:p>
@@ -6539,7 +6523,7 @@
             </a:r>
             <a:r>
               <a:rPr lang="en-US" b="1" dirty="0"/>
-              <a:t>was better than random</a:t>
+              <a:t>was better than a random guess</a:t>
             </a:r>
           </a:p>
           <a:p>
@@ -6564,7 +6548,7 @@
             </a:r>
             <a:r>
               <a:rPr lang="en-US" dirty="0"/>
-              <a:t> increase the accuracy</a:t>
+              <a:t> increase the accuracy, but reduced confidence interval range</a:t>
             </a:r>
           </a:p>
           <a:p>
@@ -7913,7 +7897,7 @@
                 <a:latin typeface="Arial" panose="020B0604020202020204" pitchFamily="34" charset="0"/>
                 <a:ea typeface="Calibri" panose="020F0502020204030204" pitchFamily="34" charset="0"/>
               </a:rPr>
-              <a:t>Accuracy of 0.951 and Kappa of 0.940 </a:t>
+              <a:t>Accuracy of 0.951 </a:t>
             </a:r>
             <a:r>
               <a:rPr lang="en-US" sz="1800" i="1" dirty="0">
@@ -7954,7 +7938,7 @@
                 <a:latin typeface="Arial" panose="020B0604020202020204" pitchFamily="34" charset="0"/>
                 <a:ea typeface="Calibri" panose="020F0502020204030204" pitchFamily="34" charset="0"/>
               </a:rPr>
-              <a:t>Full taxonomy of 94 bacteria can be easily plotted</a:t>
+              <a:t>Full taxonomy of 94 bacteria can be plotted along their taxonomies</a:t>
             </a:r>
           </a:p>
           <a:p>
@@ -8131,7 +8115,7 @@
         </p:nvSpPr>
         <p:spPr>
           <a:xfrm>
-            <a:off x="58952" y="4933794"/>
+            <a:off x="78466" y="4870694"/>
             <a:ext cx="5120543" cy="1200329"/>
           </a:xfrm>
           <a:prstGeom prst="rect">
@@ -9379,7 +9363,7 @@
                 <a:latin typeface="Arial" panose="020B0604020202020204" pitchFamily="34" charset="0"/>
                 <a:ea typeface="Calibri" panose="020F0502020204030204" pitchFamily="34" charset="0"/>
               </a:rPr>
-              <a:t>~340 bacteria and fungi, out of 30.000, were better than shadow features in predicting plant biomass</a:t>
+              <a:t>~300 bacteria and fungi, out of 30.000, were better than shadow features in predicting plant biomass</a:t>
             </a:r>
           </a:p>
           <a:p>
@@ -9605,7 +9589,7 @@
         <p:spPr>
           <a:xfrm>
             <a:off x="323480" y="818019"/>
-            <a:ext cx="7391770" cy="5632311"/>
+            <a:ext cx="6115420" cy="5355312"/>
           </a:xfrm>
           <a:prstGeom prst="rect">
             <a:avLst/>
@@ -9648,15 +9632,7 @@
             </a:pPr>
             <a:r>
               <a:rPr lang="en-US" dirty="0"/>
-              <a:t>The </a:t>
-            </a:r>
-            <a:r>
-              <a:rPr lang="en-US" i="1" dirty="0"/>
-              <a:t>Boruta</a:t>
-            </a:r>
-            <a:r>
-              <a:rPr lang="en-US" dirty="0"/>
-              <a:t> R package is powerful, useful and simple to run</a:t>
+              <a:t>The repository contains one advanced example with lists, loops and custom functions. This facilitates application of random forest to several datasets and conditions simultaneously, and can be adapted to non-microbiome data without too much coding</a:t>
             </a:r>
           </a:p>
           <a:p>
@@ -9673,15 +9649,23 @@
             </a:pPr>
             <a:r>
               <a:rPr lang="en-US" dirty="0"/>
-              <a:t>The </a:t>
-            </a:r>
-            <a:r>
-              <a:rPr lang="en-US" i="1" dirty="0"/>
-              <a:t>Caret</a:t>
+              <a:t>Feature reduction helps you </a:t>
+            </a:r>
+            <a:r>
+              <a:rPr lang="en-US" b="1" dirty="0"/>
+              <a:t>focus</a:t>
             </a:r>
             <a:r>
               <a:rPr lang="en-US" dirty="0"/>
-              <a:t> R package can help split, train and test your models</a:t>
+              <a:t> </a:t>
+            </a:r>
+            <a:r>
+              <a:rPr lang="en-US" b="1" dirty="0"/>
+              <a:t>your attention </a:t>
+            </a:r>
+            <a:r>
+              <a:rPr lang="en-US" dirty="0"/>
+              <a:t>into variables that are more strongly associated to your experimental conditions</a:t>
             </a:r>
           </a:p>
           <a:p>
@@ -9698,41 +9682,7 @@
             </a:pPr>
             <a:r>
               <a:rPr lang="en-US" dirty="0"/>
-              <a:t>The repository contains one advanced example with lists, loops and custom functions. This immensely facilitates application of random forest to several datasets and conditions, and can be adapted to non-microbiome data without too much coding</a:t>
-            </a:r>
-          </a:p>
-          <a:p>
-            <a:pPr marL="285750" indent="-285750">
-              <a:buFont typeface="Arial" panose="020B0604020202020204" pitchFamily="34" charset="0"/>
-              <a:buChar char="•"/>
-            </a:pPr>
-            <a:endParaRPr lang="en-US" dirty="0"/>
-          </a:p>
-          <a:p>
-            <a:pPr marL="285750" indent="-285750">
-              <a:buFont typeface="Arial" panose="020B0604020202020204" pitchFamily="34" charset="0"/>
-              <a:buChar char="•"/>
-            </a:pPr>
-            <a:r>
-              <a:rPr lang="en-US" dirty="0"/>
-              <a:t>Feature reduction helps you focus your attention into variables that are more strongly associated to your experimental conditions</a:t>
-            </a:r>
-          </a:p>
-          <a:p>
-            <a:pPr marL="285750" indent="-285750">
-              <a:buFont typeface="Arial" panose="020B0604020202020204" pitchFamily="34" charset="0"/>
-              <a:buChar char="•"/>
-            </a:pPr>
-            <a:endParaRPr lang="en-US" dirty="0"/>
-          </a:p>
-          <a:p>
-            <a:pPr marL="285750" indent="-285750">
-              <a:buFont typeface="Arial" panose="020B0604020202020204" pitchFamily="34" charset="0"/>
-              <a:buChar char="•"/>
-            </a:pPr>
-            <a:r>
-              <a:rPr lang="en-US" dirty="0"/>
-              <a:t>Such tools are increasingly present in scientific publication &amp; in industry, and ignoring them might not be a very good career choice</a:t>
+              <a:t>Such tools are increasingly present in scientific publication &amp; in industry</a:t>
             </a:r>
           </a:p>
           <a:p>
@@ -9769,8 +9719,8 @@
         </p:nvSpPr>
         <p:spPr>
           <a:xfrm>
-            <a:off x="7981950" y="1028700"/>
-            <a:ext cx="3524620" cy="3046988"/>
+            <a:off x="6543677" y="638175"/>
+            <a:ext cx="5248643" cy="4339650"/>
           </a:xfrm>
           <a:prstGeom prst="rect">
             <a:avLst/>
@@ -9785,7 +9735,7 @@
           <a:p>
             <a:pPr algn="ctr"/>
             <a:r>
-              <a:rPr lang="en-US" sz="9600" b="1" dirty="0"/>
+              <a:rPr lang="en-US" sz="13800" b="1" dirty="0"/>
               <a:t>Thank you!</a:t>
             </a:r>
           </a:p>
@@ -9805,7 +9755,7 @@
         </p:nvSpPr>
         <p:spPr>
           <a:xfrm>
-            <a:off x="7894029" y="4772203"/>
+            <a:off x="7393967" y="5250001"/>
             <a:ext cx="3700462" cy="1200329"/>
           </a:xfrm>
           <a:prstGeom prst="rect">
@@ -10727,7 +10677,7 @@
             </a:pPr>
             <a:r>
               <a:rPr lang="en-US" dirty="0"/>
-              <a:t>In a decision tree, variables are split at specific intervals. Depending on the value of one or more variables, a sample classification is decided</a:t>
+              <a:t>In a decision tree, variables are split at specific intervals. A sample classification is assigned depending on the value of one or more variables</a:t>
             </a:r>
           </a:p>
           <a:p>
@@ -12005,7 +11955,7 @@
         </p:nvSpPr>
         <p:spPr>
           <a:xfrm>
-            <a:off x="30349" y="485120"/>
+            <a:off x="55749" y="451553"/>
             <a:ext cx="11907993" cy="2862322"/>
           </a:xfrm>
           <a:prstGeom prst="rect">
@@ -12144,7 +12094,7 @@
           <p:nvPr>
             <p:extLst>
               <p:ext uri="{D42A27DB-BD31-4B8C-83A1-F6EECF244321}">
-                <p14:modId xmlns:p14="http://schemas.microsoft.com/office/powerpoint/2010/main" val="202663317"/>
+                <p14:modId xmlns:p14="http://schemas.microsoft.com/office/powerpoint/2010/main" val="2853765296"/>
               </p:ext>
             </p:extLst>
           </p:nvPr>
@@ -12226,7 +12176,7 @@
                       <a:pPr algn="ctr"/>
                       <a:r>
                         <a:rPr lang="en-US" sz="1000" dirty="0"/>
-                        <a:t>variable</a:t>
+                        <a:t>Variable</a:t>
                       </a:r>
                       <a:endParaRPr lang="en-NL" sz="1000" dirty="0"/>
                     </a:p>
@@ -14051,16 +14001,16 @@
                     <a:p>
                       <a:pPr algn="ctr"/>
                       <a:r>
-                        <a:rPr lang="en-US" sz="1000" b="1" dirty="0">
+                        <a:rPr lang="en-US" sz="1000" b="1" dirty="0" err="1">
                           <a:solidFill>
-                            <a:srgbClr val="FF0000"/>
+                            <a:srgbClr val="00B050"/>
                           </a:solidFill>
                         </a:rPr>
-                        <a:t>Un</a:t>
+                        <a:t>Su</a:t>
                       </a:r>
                       <a:endParaRPr lang="en-NL" sz="1000" b="1" dirty="0">
                         <a:solidFill>
-                          <a:srgbClr val="FF0000"/>
+                          <a:srgbClr val="00B050"/>
                         </a:solidFill>
                       </a:endParaRPr>
                     </a:p>
@@ -15556,8 +15506,8 @@
         </p:nvSpPr>
         <p:spPr>
           <a:xfrm>
-            <a:off x="6199998" y="2608752"/>
-            <a:ext cx="3812887" cy="830997"/>
+            <a:off x="6053854" y="2793251"/>
+            <a:ext cx="4089115" cy="830997"/>
           </a:xfrm>
           <a:prstGeom prst="rect">
             <a:avLst/>
@@ -15620,13 +15570,13 @@
         </p:nvSpPr>
         <p:spPr>
           <a:xfrm rot="5400000">
-            <a:off x="7496274" y="1138445"/>
-            <a:ext cx="928919" cy="4364468"/>
+            <a:off x="7648847" y="1283982"/>
+            <a:ext cx="661447" cy="4326796"/>
           </a:xfrm>
           <a:prstGeom prst="corner">
             <a:avLst>
               <a:gd name="adj1" fmla="val 41318"/>
-              <a:gd name="adj2" fmla="val 61476"/>
+              <a:gd name="adj2" fmla="val 69242"/>
             </a:avLst>
           </a:prstGeom>
           <a:solidFill>
@@ -17123,7 +17073,7 @@
             </a:pPr>
             <a:r>
               <a:rPr lang="en-US" dirty="0"/>
-              <a:t>When the random forest receives new data, each tree “votes” on the outcome</a:t>
+              <a:t>When the forest of decision trees receives new data, each tree “votes” on the outcome</a:t>
             </a:r>
           </a:p>
           <a:p>
@@ -21853,7 +21803,7 @@
             </a:pPr>
             <a:r>
               <a:rPr lang="en-US" dirty="0"/>
-              <a:t>Accuracy is recoded, and the process reiterated with new random trees, subsets and splits</a:t>
+              <a:t>Accuracy is recoded, and the process repeated with new sample data, random trees, and iterations</a:t>
             </a:r>
           </a:p>
           <a:p>
@@ -21909,7 +21859,7 @@
             </a:pPr>
             <a:r>
               <a:rPr lang="en-US" dirty="0"/>
-              <a:t>This is useful for feature reduction – reducing the number of variables, and ranking their importance on both classification and regression tasks</a:t>
+              <a:t>This is useful for feature reduction – reduce the number of variables, and rank their importance on classification and regression tasks</a:t>
             </a:r>
           </a:p>
         </p:txBody>
@@ -22388,7 +22338,7 @@
             </a:r>
             <a:r>
               <a:rPr lang="en-US" dirty="0"/>
-              <a:t> can easily run variable selection with random forest </a:t>
+              <a:t> can quickly run variable selection with random forest </a:t>
             </a:r>
           </a:p>
           <a:p>
@@ -22446,7 +22396,15 @@
             </a:r>
             <a:r>
               <a:rPr lang="en-US" dirty="0"/>
-              <a:t>reshuffled and randomized versions of the true features in your dataset</a:t>
+              <a:t>reshuffled and randomized versions of the </a:t>
+            </a:r>
+            <a:r>
+              <a:rPr lang="en-US" b="1" dirty="0"/>
+              <a:t>real features </a:t>
+            </a:r>
+            <a:r>
+              <a:rPr lang="en-US" dirty="0"/>
+              <a:t>in your dataset</a:t>
             </a:r>
           </a:p>
           <a:p>
@@ -22463,7 +22421,23 @@
             </a:pPr>
             <a:r>
               <a:rPr lang="en-US" dirty="0"/>
-              <a:t>Boruta will test if the real feature is significantly better at predicting the outcome than the shadow features</a:t>
+              <a:t>Boruta will test if the </a:t>
+            </a:r>
+            <a:r>
+              <a:rPr lang="en-US" b="1" dirty="0"/>
+              <a:t>real feature </a:t>
+            </a:r>
+            <a:r>
+              <a:rPr lang="en-US" dirty="0"/>
+              <a:t>is significantly better at predicting the outcome than the “</a:t>
+            </a:r>
+            <a:r>
+              <a:rPr lang="en-US" b="1" dirty="0">
+                <a:solidFill>
+                  <a:srgbClr val="0070C0"/>
+                </a:solidFill>
+              </a:rPr>
+              <a:t>shadow features”</a:t>
             </a:r>
           </a:p>
           <a:p>
@@ -22528,7 +22502,7 @@
             </a:pPr>
             <a:r>
               <a:rPr lang="en-US" dirty="0"/>
-              <a:t>A few simple functions can help you explore the output</a:t>
+              <a:t>A few functions can help you explore the output</a:t>
             </a:r>
           </a:p>
           <a:p>
@@ -25328,7 +25302,7 @@
         </p:nvSpPr>
         <p:spPr>
           <a:xfrm>
-            <a:off x="-428260" y="5816688"/>
+            <a:off x="-258119" y="5843319"/>
             <a:ext cx="11778119" cy="646331"/>
           </a:xfrm>
           <a:prstGeom prst="rect">
@@ -25993,15 +25967,7 @@
             </a:pPr>
             <a:r>
               <a:rPr lang="en-US" dirty="0"/>
-              <a:t>There are </a:t>
-            </a:r>
-            <a:r>
-              <a:rPr lang="en-US" dirty="0" err="1"/>
-              <a:t>manymethods</a:t>
-            </a:r>
-            <a:r>
-              <a:rPr lang="en-US" dirty="0"/>
-              <a:t> and packages that will perform the data splitting and testing for you. I use the R package </a:t>
+              <a:t>There are many methods and packages that will perform the data splitting and testing for you. I use the R package </a:t>
             </a:r>
             <a:r>
               <a:rPr lang="en-US" i="1" dirty="0"/>
